--- a/2026-02-14/report_2026-02-14.pptx
+++ b/2026-02-14/report_2026-02-14.pptx
@@ -3372,7 +3372,7 @@
                 </a:solidFill>
                 <a:latin typeface="Meiryo"/>
               </a:rPr>
-              <a:t>9</a:t>
+              <a:t>6</a:t>
             </a:r>
             <a:r>
               <a:rPr sz="1400">
@@ -3537,7 +3537,7 @@
                 </a:solidFill>
                 <a:latin typeface="Meiryo"/>
               </a:rPr>
-              <a:t>6</a:t>
+              <a:t>5</a:t>
             </a:r>
             <a:r>
               <a:rPr sz="1400">
@@ -5684,7 +5684,7 @@
               </a:defRPr>
             </a:pPr>
             <a:r>
-              <a:t>► CNBC: https://www.cnbc.com/2026/02/09/sam-altman-touts-chatgpt-growth-as-openai-nears-100-billion-funding.html</a:t>
+              <a:t>► TechCrunch: https://techcrunch.com/2026/02/11/xai-lays-out-interplanetary-ambitions-in-public-all-hands/</a:t>
             </a:r>
           </a:p>
           <a:p>
@@ -5700,7 +5700,7 @@
               </a:defRPr>
             </a:pPr>
             <a:r>
-              <a:t>► CNBC: https://www.cnbc.com/2026/02/13/anthropic-open-ai-super-bowl-ads.html</a:t>
+              <a:t>► CNBC: https://www.cnbc.com/2026/02/13/ai-startup-cohere-revenue-ipo.html</a:t>
             </a:r>
           </a:p>
           <a:p>
@@ -5716,8 +5716,41 @@
               </a:defRPr>
             </a:pPr>
             <a:r>
-              <a:t>► PitchBook: https://pitchbook.com/news/articles/anthropic-surpasses-openai-in-ai-cash-race-after-raising-30b-series-g</a:t>
-            </a:r>
+              <a:t>► Axios: https://www.axios.com/2026/02/12/ai-openai-agi-xai-doomsday-scenario</a:t>
+            </a:r>
+          </a:p>
+        </p:txBody>
+      </p:sp>
+      <p:sp>
+        <p:nvSpPr>
+          <p:cNvPr id="7" name="TextBox 6"/>
+          <p:cNvSpPr txBox="1"/>
+          <p:nvPr/>
+        </p:nvSpPr>
+        <p:spPr>
+          <a:xfrm>
+            <a:off x="6156655" y="960120"/>
+            <a:ext cx="5486400" cy="5029200"/>
+          </a:xfrm>
+          <a:prstGeom prst="rect">
+            <a:avLst/>
+          </a:prstGeom>
+          <a:noFill/>
+        </p:spPr>
+        <p:txBody>
+          <a:bodyPr wrap="square">
+            <a:spAutoFit/>
+          </a:bodyPr>
+          <a:lstStyle/>
+          <a:p>
+            <a:pPr algn="l">
+              <a:defRPr sz="1100" b="0">
+                <a:solidFill>
+                  <a:srgbClr val="1A1A2E"/>
+                </a:solidFill>
+                <a:latin typeface="Meiryo"/>
+              </a:defRPr>
+            </a:pPr>
           </a:p>
           <a:p>
             <a:pPr>
@@ -5732,7 +5765,7 @@
               </a:defRPr>
             </a:pPr>
             <a:r>
-              <a:t>► Business Insider: https://www.businessinsider.com/matt-shumer-something-big-is-happening-essay-ai-disruption-2026-2</a:t>
+              <a:t>► CNBC: https://www.cnbc.com/2026/02/06/google-microsoft-meta-amazon-ai-cash.html</a:t>
             </a:r>
           </a:p>
           <a:p>
@@ -5748,41 +5781,8 @@
               </a:defRPr>
             </a:pPr>
             <a:r>
-              <a:t>► GlobeNewswire: https://www.globenewswire.com/news-release/2026/02/10/3235490/0/en/Global-Data-Center-Energy-Consumption-Trends-and-Projections.html</a:t>
-            </a:r>
-          </a:p>
-        </p:txBody>
-      </p:sp>
-      <p:sp>
-        <p:nvSpPr>
-          <p:cNvPr id="7" name="TextBox 6"/>
-          <p:cNvSpPr txBox="1"/>
-          <p:nvPr/>
-        </p:nvSpPr>
-        <p:spPr>
-          <a:xfrm>
-            <a:off x="6156655" y="960120"/>
-            <a:ext cx="5486400" cy="5029200"/>
-          </a:xfrm>
-          <a:prstGeom prst="rect">
-            <a:avLst/>
-          </a:prstGeom>
-          <a:noFill/>
-        </p:spPr>
-        <p:txBody>
-          <a:bodyPr wrap="square">
-            <a:spAutoFit/>
-          </a:bodyPr>
-          <a:lstStyle/>
-          <a:p>
-            <a:pPr algn="l">
-              <a:defRPr sz="1100" b="0">
-                <a:solidFill>
-                  <a:srgbClr val="1A1A2E"/>
-                </a:solidFill>
-                <a:latin typeface="Meiryo"/>
-              </a:defRPr>
-            </a:pPr>
+              <a:t>► CNBC: https://www.cnbc.com/2026/02/13/anthropic-open-ai-super-bowl-ads.html</a:t>
+            </a:r>
           </a:p>
           <a:p>
             <a:pPr>
@@ -5797,55 +5797,7 @@
               </a:defRPr>
             </a:pPr>
             <a:r>
-              <a:t>► Reuters: https://www.reuters.com/legal/litigation/us-ftc-ramps-up-scrutiny-microsoft-over-ai-cloud-practices-questions-rivals-2026-02-13/</a:t>
-            </a:r>
-          </a:p>
-          <a:p>
-            <a:pPr>
-              <a:spcBef>
-                <a:spcPts val="300"/>
-              </a:spcBef>
-              <a:defRPr sz="1100" b="0">
-                <a:solidFill>
-                  <a:srgbClr val="6C757D"/>
-                </a:solidFill>
-                <a:latin typeface="Meiryo"/>
-              </a:defRPr>
-            </a:pPr>
-            <a:r>
-              <a:t>► Reuters: https://www.reuters.com/world/china/chinese-ai-models-festoon-spring-festival-year-after-deepseek-shock-2026-02-14/</a:t>
-            </a:r>
-          </a:p>
-          <a:p>
-            <a:pPr>
-              <a:spcBef>
-                <a:spcPts val="300"/>
-              </a:spcBef>
-              <a:defRPr sz="1100" b="0">
-                <a:solidFill>
-                  <a:srgbClr val="6C757D"/>
-                </a:solidFill>
-                <a:latin typeface="Meiryo"/>
-              </a:defRPr>
-            </a:pPr>
-            <a:r>
-              <a:t>► Hexagon Corporate: https://hexagon.com/company/newsroom/press-releases/2026/hexagon-robotics-collaborates-with-microsoft-to-advance-the-field-of-humanoid-robots</a:t>
-            </a:r>
-          </a:p>
-          <a:p>
-            <a:pPr>
-              <a:spcBef>
-                <a:spcPts val="300"/>
-              </a:spcBef>
-              <a:defRPr sz="1100" b="0">
-                <a:solidFill>
-                  <a:srgbClr val="6C757D"/>
-                </a:solidFill>
-                <a:latin typeface="Meiryo"/>
-              </a:defRPr>
-            </a:pPr>
-            <a:r>
-              <a:t>► Kiteworks: https://www.kiteworks.com/cybersecurity-risk-management/ai-regulation-2026-business-compliance-guide/</a:t>
+              <a:t>► CNBC: https://www.cnbc.com/2026/02/12/anthropic-gives-20-million-to-group-pushing-for-ai-regulations-.html</a:t>
             </a:r>
           </a:p>
         </p:txBody>
@@ -6213,7 +6165,7 @@
                 </a:solidFill>
                 <a:latin typeface="Meiryo"/>
               </a:rPr>
-              <a:t>9</a:t>
+              <a:t>6</a:t>
             </a:r>
             <a:r>
               <a:rPr sz="1400">
@@ -6378,7 +6330,7 @@
                 </a:solidFill>
                 <a:latin typeface="Meiryo"/>
               </a:rPr>
-              <a:t>Other</a:t>
+              <a:t>Anthropic</a:t>
             </a:r>
             <a:r>
               <a:rPr sz="1400">
@@ -6387,7 +6339,7 @@
                 </a:solidFill>
                 <a:latin typeface="Meiryo"/>
               </a:rPr>
-              <a:t> 5件</a:t>
+              <a:t> 2件</a:t>
             </a:r>
           </a:p>
         </p:txBody>
@@ -6543,7 +6495,7 @@
                 </a:solidFill>
                 <a:latin typeface="Meiryo"/>
               </a:rPr>
-              <a:t>6</a:t>
+              <a:t>5</a:t>
             </a:r>
             <a:r>
               <a:rPr sz="1400">
@@ -6997,7 +6949,7 @@
               </a:defRPr>
             </a:pPr>
             <a:r>
-              <a:t>Anthropic、$30B資金調達完了で評価額$380B達成。年間売上$14Bの高成長により、OpenAIとの資金競争は新局面へ。$100B調達を目指すOpenAIとの『AI軍拡競争』が加速し、両社の2026年度IPOが確実視される動向が明確化。</a:t>
+              <a:t>Anthropicが300億ドルのSeries G資金調達をクローズ、評価額3800億ドルに到達。Claude Codeの年間売上が25億ドルを突破し、Fortune 10の8社が顧客に。エンタープライズ市場での支配力が急加速中（確信度95%）</a:t>
             </a:r>
           </a:p>
         </p:txBody>
@@ -7198,7 +7150,7 @@
               </a:defRPr>
             </a:pPr>
             <a:r>
-              <a:t>中国AI企業群が春節前に一斉モデル発表。DeepSeek V4予告に対し、ByteDance(Doubao 2.0、Seedance 2.0)、Alibaba(Qwen 3.5)、Zhipu(GLM-5)、MiniMax(M2.5)が連鎖的にリリース。中国内での『春節AI戦争』が2025年のDeepSeek衝撃を繰り返...</a:t>
+              <a:t>AI安全性研究者の相次ぐ退職が業界に波紋。OpenAI・Anthropic両社の安全研究チーム解体・人員流出に伴い、AGI実現への危機感が技術者レベルで高まっている（確信度85%）</a:t>
             </a:r>
           </a:p>
         </p:txBody>
@@ -7399,7 +7351,7 @@
               </a:defRPr>
             </a:pPr>
             <a:r>
-              <a:t>AI安全性研究者の連鎖的離職が業界内警告信号。Anthropic安全保障研究責任者Sharma、OpenAI複数研究員が相次ぎ辞職。『世界が危機的状況にある』『存在的脅威』の警告がX上で5,600万ビュー超を記録。業界内部からの実存的リスク警告が、対外コミュニケーション戦略へ影響。</a:t>
+              <a:t>Big Tech 4社（Microsoft・Google・Amazon・Meta）が2026年に650-700億ドルのAI投資を計画し、前年比60%増加。電力グリッド危機が深刻化し、データセンター建設が電力供給可能地域に制限される傾向（確信度90%）</a:t>
             </a:r>
           </a:p>
         </p:txBody>
@@ -7600,7 +7552,7 @@
               </a:defRPr>
             </a:pPr>
             <a:r>
-              <a:t>Super Bowl AI広告戦争でAnthropicが勝利。広告視聴後、Claudeの訪問者数6.5%増、日別アクティブユーザー11%増。App Storeランキング41位→7位への急上昇。ChatGPT広告導入への直接的な消費者反発が数値化され、マネタイズ戦略の分岐が明確化。</a:t>
+              <a:t>Anthropicがスーパーボウル広告でOpenAIを攻撃、訪問者11%増・DAU11%増を達成。Sam Altmanが広告を『虚偽』と非難、公開対立が本格化。両社とも2026年内IPO計画中（確信度80%）</a:t>
             </a:r>
           </a:p>
         </p:txBody>
@@ -7801,7 +7753,7 @@
               </a:defRPr>
             </a:pPr>
             <a:r>
-              <a:t>データセンター電力危機が実装を制約。AI業界全体の設備投資$650-$690B（2026年）により、電力需要は2030年に945TWh到達予測。SMRや直接エネルギー調達が商用化段階へ。規制当局が『テック企業が電力費を負担すべき』で異例の一致を示し、インフラコスト構造の根本的転換が始動。</a:t>
+              <a:t>VCの投資基準が多元化。OpenAIとAnthropicへの重複投資が常態化し、従来の『競合他社への同時投資タブー』が破られた。AI企業への投資が全体の80%以上を占める異常な市場構造（確信度88%）</a:t>
             </a:r>
           </a:p>
         </p:txBody>
@@ -8013,7 +7965,7 @@
               </a:defRPr>
             </a:pPr>
             <a:r>
-              <a:t>Anthropic、$30B Series G資金調達をクローズ─評価額$380Bで資金調達総額$69.1Bに到達し、OpenAI超越</a:t>
+              <a:t>AnthropicがスーパーボウルLX広告でOpenAIを攻撃　ウェブ訪問者11%増・DAU11%増を達成、Claude アプリがApp Store Top 10入り</a:t>
             </a:r>
           </a:p>
         </p:txBody>
@@ -8171,7 +8123,7 @@
               </a:defRPr>
             </a:pPr>
             <a:r>
-              <a:t>Anthropicが$30B Series G資金調達を完了し、企業評価額$380B、累計資金調達額$69.1BでOpenAIの$66.4B超越。同社の年間売上が$14Bに到達したことが確認された。投資家はFounders Fund、GIC、Coatue、D.E. Shaw Ventures、Iconiq Capital、MGX、NVIDIA、カタール主権基金ら。Sequoiaも参加し、OpenAIとAnthropicの両方に投資するVCが増加する『タブー破り』が常態化。今回の調達により、Anthropicが初期段階投資ラウンドから5ヶ月で資金額を2倍以上に拡大。同社のClaude CodeプラットフォームがSoftware Engineer年間売上$2.5B達成しており、エンタープライズAI市場での圧倒的地位を確立。</a:t>
+              <a:t>Super Bowl LXを背景にした広告戦が激化。Anthropicが『AI広告のないClaudeの自由さ』をOpenAIの広告導入と対比する広告を放映。BNP Paribas分析によると、Anthropicのサイト訪問者が6.5%増加、DAUが11%増加（AI企業最大）。一方OpenAI ChatGPTはDAU 2.7%増、Google Geminiは1.4%増に留まった。広告効果でClaude アプリがApp Store ランキング41位から Top 10（推定5-8位）に上昇。OpenAI CEO Sam Altmanが直後にX上でAnthropicの広告を『虚偽かつ不誠実』と非難。これは業界内での経営陣による直接的な公開対立として初の例となり、メディア注目度が急上昇。年内IPO予定の両社が視線を集める。</a:t>
             </a:r>
           </a:p>
         </p:txBody>
@@ -8408,7 +8360,7 @@
               </a:defRPr>
             </a:pPr>
             <a:r>
-              <a:t>Anthropicの資金調達成功は、OpenAI資金調達（$100B目標）との『軍拡競争』を加速させ、両社合計で$130B規模の2026年度キャッシュバーン見通しを生む。これにより、AI企業の初期段階VC投資が急冷し、Series A/B企</a:t>
+              <a:t>短期的に消費者向けClaudeの認知・ダウンロードが急増。App Store Top 10入りは『テック以外の層』への進出を示唆。ただしChatGPT総体利用者数（月3億人）に対しClaudeは3000万人程度で、20倍以上の差は維持。Su</a:t>
             </a:r>
           </a:p>
         </p:txBody>
@@ -8645,7 +8597,7 @@
               </a:defRPr>
             </a:pPr>
             <a:r>
-              <a:t>2026年中盤～後半にかけて、Anthropic・OpenAI両社ともIPO計画が具体化し、公開買付提案の段階へ進む可能性が高い。IPO時の評価額は、現在の非公開時評価額を30-50%上回ることが市場予測（類似ケース：Stripe、Spac</a:t>
+              <a:t>2026年Q2にも第2波の広告戦が想定。OpenAIがChatGPT有料版の『Ad-Free プラン』追加の可能性（月20-30ドルレンジ推定）。Anthropicがメディア露出増加で『安全性AI企業』のブランド構築に成功。IPO時のブラン</a:t>
             </a:r>
           </a:p>
         </p:txBody>
@@ -8882,7 +8834,7 @@
               </a:defRPr>
             </a:pPr>
             <a:r>
-              <a:t>両社の資本競争は、エネルギー・コンピュートリソースの争奪戦へ発展。NVIDIA GPU供給制約による『チップ価格インフレーション』（現在H100で$40K超、A100の3倍）が、スタートアップ企業の参入障壁を急速に上昇させる。AI企業全体の</a:t>
+              <a:t>①Altmanの『虚偽』発言が法的紛争に発展する可能性（広告基準委員会への不服申立等）、②消費者向けClaudeの利用拡大に伴うサポートコスト急増、③エンタープライズ営業リソースの消費者向け広告対応への流用による営業停滞。</a:t>
             </a:r>
           </a:p>
         </p:txBody>
@@ -9273,7 +9225,7 @@
                         </a:defRPr>
                       </a:pPr>
                       <a:r>
-                        <a:t>エンタープライズAI・安全性研究・マルチモーダルエージェント</a:t>
+                        <a:t>エンタープライズAI・安全性研究</a:t>
                       </a:r>
                     </a:p>
                   </a:txBody>
@@ -9297,7 +9249,7 @@
                         </a:defRPr>
                       </a:pPr>
                       <a:r>
-                        <a:t>$30B Series G資金調達完了（評価額$380B）、年間売上$14B達成、Super Bowl広告で『広告排除』メッセージ展開、データセンター電力コスト負担発表、Claude Code年間売上$2.5B確認</a:t>
+                        <a:t>Series G 300億ドル調達・Fortune 10中8社顧客化・Claude Code年売上25億ドル・Super Bowl広告でOpenAI攻撃</a:t>
                       </a:r>
                     </a:p>
                   </a:txBody>
@@ -9345,7 +9297,7 @@
                         </a:defRPr>
                       </a:pPr>
                       <a:r>
-                        <a:t>安全性研究ブランド・企業向け営業力・ユーザー信頼度（広告なし訴求）・Opus 4.6の推論性能。ただし規制支援寄付と大規模スケール追求の矛盾が内部警告を招く。</a:t>
+                        <a:t>Fortune 500企業への圧倒的な採用率・エンタープライズ課金モデルの確立・安全性研究ポジショニング。ただし安全研究チーム流出のリスク増加</a:t>
                       </a:r>
                     </a:p>
                   </a:txBody>
@@ -9395,7 +9347,7 @@
                         </a:defRPr>
                       </a:pPr>
                       <a:r>
-                        <a:t>汎用AI・コーディングモデル・エンタープライズ向けAPI</a:t>
+                        <a:t>消費者向けLLM・GPT-5開発・AGI志向</a:t>
                       </a:r>
                     </a:p>
                   </a:txBody>
@@ -9419,7 +9371,7 @@
                         </a:defRPr>
                       </a:pPr>
                       <a:r>
-                        <a:t>$100B資金調達交渉中、ChatGPT月間10%成長回復宣言、GPT-5.3 Codex『自己改善能力』搭載リリース、Codex週間成長50%達成、Super Bowl広告で『包含性』訴求（新興国向け無料アクセス強調）</a:t>
+                        <a:t>100億ドル資金調達目途・ChatGPT広告導入・安全研究チーム解体・Sam Altmanの攻撃的発言継続</a:t>
                       </a:r>
                     </a:p>
                   </a:txBody>
@@ -9467,7 +9419,7 @@
                         </a:defRPr>
                       </a:pPr>
                       <a:r>
-                        <a:t>ユーザーベース圧倒的規模（8億人/週）・ChatGPT復調・Codexの自動改善テクノロジー・資本調達力。弱点は『広告導入による信頼低下』とSam Altmanの『Anthropic批判ツイート』による品格喪失。</a:t>
+                        <a:t>ブランド力・モデル性能・消費者基盤。ただし企業向けシェア喪失・規制リスク・人材流出のリスク</a:t>
                       </a:r>
                     </a:p>
                   </a:txBody>
@@ -9493,7 +9445,7 @@
                         </a:defRPr>
                       </a:pPr>
                       <a:r>
-                        <a:t>Google/Gemini</a:t>
+                        <a:t>Google</a:t>
                       </a:r>
                     </a:p>
                   </a:txBody>
@@ -9517,7 +9469,7 @@
                         </a:defRPr>
                       </a:pPr>
                       <a:r>
-                        <a:t>検索AI統合・マルチモーダルAI・広告プラットフォーム統合</a:t>
+                        <a:t>検索AI・アジェンティックコマース・垂直統合</a:t>
                       </a:r>
                     </a:p>
                   </a:txBody>
@@ -9541,7 +9493,7 @@
                         </a:defRPr>
                       </a:pPr>
                       <a:r>
-                        <a:t>Super Bowl広告展開（存在感維持）、Gemini 3 Pro相当のスペック競争参加、AI広告フォーマット『再発明』宣言（アージェンティックコマース標準化推進）</a:t>
+                        <a:t>広告フォーマット『再発明』・175-185億ドル capex・AI化されたGoogle検索推進</a:t>
                       </a:r>
                     </a:p>
                   </a:txBody>
@@ -9559,13 +9511,13 @@
                       <a:pPr algn="ctr">
                         <a:defRPr sz="1400" b="1">
                           <a:solidFill>
-                            <a:srgbClr val="6C757D"/>
+                            <a:srgbClr val="007A33"/>
                           </a:solidFill>
                           <a:latin typeface="Meiryo"/>
                         </a:defRPr>
                       </a:pPr>
                       <a:r>
-                        <a:t>◆</a:t>
+                        <a:t>▲</a:t>
                       </a:r>
                     </a:p>
                   </a:txBody>
@@ -9589,7 +9541,7 @@
                         </a:defRPr>
                       </a:pPr>
                       <a:r>
-                        <a:t>検索広告収益との統合・ユーザーベース6億超（Gmail/Android経由）・エネルギー長期契約確保（原発含む）。弱点は『OpenAI/Anthropicの後追い感』とGemini初期リリースでの性能低下イメージの払拭遅延。</a:t>
+                        <a:t>既存広告ビジネスとのシナジー・Geminiエンタープライズ採用・データセンター網。ただし消費者向けGeminiはClaudeに劣後</a:t>
                       </a:r>
                     </a:p>
                   </a:txBody>
@@ -9615,7 +9567,7 @@
                         </a:defRPr>
                       </a:pPr>
                       <a:r>
-                        <a:t>Meta</a:t>
+                        <a:t>Microsoft</a:t>
                       </a:r>
                     </a:p>
                   </a:txBody>
@@ -9639,7 +9591,7 @@
                         </a:defRPr>
                       </a:pPr>
                       <a:r>
-                        <a:t>オープンソースAI・ビデオ生成・リアルタイムコンテンツ生成</a:t>
+                        <a:t>OpenAI統合・企業向けCopilot・AI自給自足</a:t>
                       </a:r>
                     </a:p>
                   </a:txBody>
@@ -9663,7 +9615,251 @@
                         </a:defRPr>
                       </a:pPr>
                       <a:r>
-                        <a:t>Super Bowl広告参加、大規模データセンター投資継続（$200B計画の一部）、オープンソースLLaMaエコシステム拡大</a:t>
+                        <a:t>『真の自給自足』宣言・Mustafa SuleymanのOpenAI依存脱却声明・175-185億ドルcapex・原発電力契約</a:t>
+                      </a:r>
+                    </a:p>
+                  </a:txBody>
+                  <a:tcPr>
+                    <a:solidFill>
+                      <a:srgbClr val="E8F1F8"/>
+                    </a:solidFill>
+                  </a:tcPr>
+                </a:tc>
+                <a:tc>
+                  <a:txBody>
+                    <a:bodyPr/>
+                    <a:lstStyle/>
+                    <a:p>
+                      <a:pPr algn="ctr">
+                        <a:defRPr sz="1400" b="1">
+                          <a:solidFill>
+                            <a:srgbClr val="007A33"/>
+                          </a:solidFill>
+                          <a:latin typeface="Meiryo"/>
+                        </a:defRPr>
+                      </a:pPr>
+                      <a:r>
+                        <a:t>▲</a:t>
+                      </a:r>
+                    </a:p>
+                  </a:txBody>
+                  <a:tcPr>
+                    <a:solidFill>
+                      <a:srgbClr val="E8F1F8"/>
+                    </a:solidFill>
+                  </a:tcPr>
+                </a:tc>
+                <a:tc>
+                  <a:txBody>
+                    <a:bodyPr/>
+                    <a:lstStyle/>
+                    <a:p>
+                      <a:pPr>
+                        <a:defRPr sz="1100">
+                          <a:solidFill>
+                            <a:srgbClr val="1A1A2E"/>
+                          </a:solidFill>
+                          <a:latin typeface="Meiryo"/>
+                        </a:defRPr>
+                      </a:pPr>
+                      <a:r>
+                        <a:t>既存企業顧客基盤・クラウド統合・電力確保戦略。OpenAI依存脱却へのシフトがリスク</a:t>
+                      </a:r>
+                    </a:p>
+                  </a:txBody>
+                  <a:tcPr>
+                    <a:solidFill>
+                      <a:srgbClr val="E8F1F8"/>
+                    </a:solidFill>
+                  </a:tcPr>
+                </a:tc>
+              </a:tr>
+              <a:tr h="640079">
+                <a:tc>
+                  <a:txBody>
+                    <a:bodyPr/>
+                    <a:lstStyle/>
+                    <a:p>
+                      <a:pPr>
+                        <a:defRPr sz="1100" b="1">
+                          <a:solidFill>
+                            <a:srgbClr val="1A1A2E"/>
+                          </a:solidFill>
+                          <a:latin typeface="Meiryo"/>
+                        </a:defRPr>
+                      </a:pPr>
+                      <a:r>
+                        <a:t>Meta</a:t>
+                      </a:r>
+                    </a:p>
+                  </a:txBody>
+                  <a:tcPr>
+                    <a:solidFill>
+                      <a:srgbClr val="FFFFFF"/>
+                    </a:solidFill>
+                  </a:tcPr>
+                </a:tc>
+                <a:tc>
+                  <a:txBody>
+                    <a:bodyPr/>
+                    <a:lstStyle/>
+                    <a:p>
+                      <a:pPr>
+                        <a:defRPr sz="1100">
+                          <a:solidFill>
+                            <a:srgbClr val="1A1A2E"/>
+                          </a:solidFill>
+                          <a:latin typeface="Meiryo"/>
+                        </a:defRPr>
+                      </a:pPr>
+                      <a:r>
+                        <a:t>広告主向けAI・Llama開発・Grok競合</a:t>
+                      </a:r>
+                    </a:p>
+                  </a:txBody>
+                  <a:tcPr>
+                    <a:solidFill>
+                      <a:srgbClr val="FFFFFF"/>
+                    </a:solidFill>
+                  </a:tcPr>
+                </a:tc>
+                <a:tc>
+                  <a:txBody>
+                    <a:bodyPr/>
+                    <a:lstStyle/>
+                    <a:p>
+                      <a:pPr>
+                        <a:defRPr sz="1100">
+                          <a:solidFill>
+                            <a:srgbClr val="1A1A2E"/>
+                          </a:solidFill>
+                          <a:latin typeface="Meiryo"/>
+                        </a:defRPr>
+                      </a:pPr>
+                      <a:r>
+                        <a:t>135-150億ドルcapex計画・30億ドルNVIDIA GPU購入・AI広告最適化</a:t>
+                      </a:r>
+                    </a:p>
+                  </a:txBody>
+                  <a:tcPr>
+                    <a:solidFill>
+                      <a:srgbClr val="FFFFFF"/>
+                    </a:solidFill>
+                  </a:tcPr>
+                </a:tc>
+                <a:tc>
+                  <a:txBody>
+                    <a:bodyPr/>
+                    <a:lstStyle/>
+                    <a:p>
+                      <a:pPr algn="ctr">
+                        <a:defRPr sz="1400" b="1">
+                          <a:solidFill>
+                            <a:srgbClr val="007A33"/>
+                          </a:solidFill>
+                          <a:latin typeface="Meiryo"/>
+                        </a:defRPr>
+                      </a:pPr>
+                      <a:r>
+                        <a:t>▲</a:t>
+                      </a:r>
+                    </a:p>
+                  </a:txBody>
+                  <a:tcPr>
+                    <a:solidFill>
+                      <a:srgbClr val="FFFFFF"/>
+                    </a:solidFill>
+                  </a:tcPr>
+                </a:tc>
+                <a:tc>
+                  <a:txBody>
+                    <a:bodyPr/>
+                    <a:lstStyle/>
+                    <a:p>
+                      <a:pPr>
+                        <a:defRPr sz="1100">
+                          <a:solidFill>
+                            <a:srgbClr val="1A1A2E"/>
+                          </a:solidFill>
+                          <a:latin typeface="Meiryo"/>
+                        </a:defRPr>
+                      </a:pPr>
+                      <a:r>
+                        <a:t>広告テック統合・GPU調達能力。ただし汎用LLMでは後発・エンタープライズ弱体</a:t>
+                      </a:r>
+                    </a:p>
+                  </a:txBody>
+                  <a:tcPr>
+                    <a:solidFill>
+                      <a:srgbClr val="FFFFFF"/>
+                    </a:solidFill>
+                  </a:tcPr>
+                </a:tc>
+              </a:tr>
+              <a:tr h="640085">
+                <a:tc>
+                  <a:txBody>
+                    <a:bodyPr/>
+                    <a:lstStyle/>
+                    <a:p>
+                      <a:pPr>
+                        <a:defRPr sz="1100" b="1">
+                          <a:solidFill>
+                            <a:srgbClr val="1A1A2E"/>
+                          </a:solidFill>
+                          <a:latin typeface="Meiryo"/>
+                        </a:defRPr>
+                      </a:pPr>
+                      <a:r>
+                        <a:t>xAI</a:t>
+                      </a:r>
+                    </a:p>
+                  </a:txBody>
+                  <a:tcPr>
+                    <a:solidFill>
+                      <a:srgbClr val="E8F1F8"/>
+                    </a:solidFill>
+                  </a:tcPr>
+                </a:tc>
+                <a:tc>
+                  <a:txBody>
+                    <a:bodyPr/>
+                    <a:lstStyle/>
+                    <a:p>
+                      <a:pPr>
+                        <a:defRPr sz="1100">
+                          <a:solidFill>
+                            <a:srgbClr val="1A1A2E"/>
+                          </a:solidFill>
+                          <a:latin typeface="Meiryo"/>
+                        </a:defRPr>
+                      </a:pPr>
+                      <a:r>
+                        <a:t>Grok開発・消費者向けチャットボット・SpaceX統合</a:t>
+                      </a:r>
+                    </a:p>
+                  </a:txBody>
+                  <a:tcPr>
+                    <a:solidFill>
+                      <a:srgbClr val="E8F1F8"/>
+                    </a:solidFill>
+                  </a:tcPr>
+                </a:tc>
+                <a:tc>
+                  <a:txBody>
+                    <a:bodyPr/>
+                    <a:lstStyle/>
+                    <a:p>
+                      <a:pPr>
+                        <a:defRPr sz="1100">
+                          <a:solidFill>
+                            <a:srgbClr val="1A1A2E"/>
+                          </a:solidFill>
+                          <a:latin typeface="Meiryo"/>
+                        </a:defRPr>
+                      </a:pPr>
+                      <a:r>
+                        <a:t>SpaceXとの合併予定・宇宙データセンター構想・Elon Muskの積極発言</a:t>
                       </a:r>
                     </a:p>
                   </a:txBody>
@@ -9711,251 +9907,7 @@
                         </a:defRPr>
                       </a:pPr>
                       <a:r>
-                        <a:t>オープンソース戦略によるコミュニティ支持・ビデオ生成での後発優位性・ソーシャルメディアデータの豊富性。弱点は『OpenAI/Anthropicへの資本流出』と『XAI・中国企業との比較での技術投資遅延感』。</a:t>
-                      </a:r>
-                    </a:p>
-                  </a:txBody>
-                  <a:tcPr>
-                    <a:solidFill>
-                      <a:srgbClr val="E8F1F8"/>
-                    </a:solidFill>
-                  </a:tcPr>
-                </a:tc>
-              </a:tr>
-              <a:tr h="640079">
-                <a:tc>
-                  <a:txBody>
-                    <a:bodyPr/>
-                    <a:lstStyle/>
-                    <a:p>
-                      <a:pPr>
-                        <a:defRPr sz="1100" b="1">
-                          <a:solidFill>
-                            <a:srgbClr val="1A1A2E"/>
-                          </a:solidFill>
-                          <a:latin typeface="Meiryo"/>
-                        </a:defRPr>
-                      </a:pPr>
-                      <a:r>
-                        <a:t>DeepSeek</a:t>
-                      </a:r>
-                    </a:p>
-                  </a:txBody>
-                  <a:tcPr>
-                    <a:solidFill>
-                      <a:srgbClr val="FFFFFF"/>
-                    </a:solidFill>
-                  </a:tcPr>
-                </a:tc>
-                <a:tc>
-                  <a:txBody>
-                    <a:bodyPr/>
-                    <a:lstStyle/>
-                    <a:p>
-                      <a:pPr>
-                        <a:defRPr sz="1100">
-                          <a:solidFill>
-                            <a:srgbClr val="1A1A2E"/>
-                          </a:solidFill>
-                          <a:latin typeface="Meiryo"/>
-                        </a:defRPr>
-                      </a:pPr>
-                      <a:r>
-                        <a:t>推論効率化・中国市場向け汎用AI・コスト最適化LLM</a:t>
-                      </a:r>
-                    </a:p>
-                  </a:txBody>
-                  <a:tcPr>
-                    <a:solidFill>
-                      <a:srgbClr val="FFFFFF"/>
-                    </a:solidFill>
-                  </a:tcPr>
-                </a:tc>
-                <a:tc>
-                  <a:txBody>
-                    <a:bodyPr/>
-                    <a:lstStyle/>
-                    <a:p>
-                      <a:pPr>
-                        <a:defRPr sz="1100">
-                          <a:solidFill>
-                            <a:srgbClr val="1A1A2E"/>
-                          </a:solidFill>
-                          <a:latin typeface="Meiryo"/>
-                        </a:defRPr>
-                      </a:pPr>
-                      <a:r>
-                        <a:t>V4モデル発表予告（春節期間内）、コンテキストウィンドウ拡張（128K→1M tokens）、『米国制裁に強い独自モデル』としてのブランド定着</a:t>
-                      </a:r>
-                    </a:p>
-                  </a:txBody>
-                  <a:tcPr>
-                    <a:solidFill>
-                      <a:srgbClr val="FFFFFF"/>
-                    </a:solidFill>
-                  </a:tcPr>
-                </a:tc>
-                <a:tc>
-                  <a:txBody>
-                    <a:bodyPr/>
-                    <a:lstStyle/>
-                    <a:p>
-                      <a:pPr algn="ctr">
-                        <a:defRPr sz="1400" b="1">
-                          <a:solidFill>
-                            <a:srgbClr val="007A33"/>
-                          </a:solidFill>
-                          <a:latin typeface="Meiryo"/>
-                        </a:defRPr>
-                      </a:pPr>
-                      <a:r>
-                        <a:t>▲</a:t>
-                      </a:r>
-                    </a:p>
-                  </a:txBody>
-                  <a:tcPr>
-                    <a:solidFill>
-                      <a:srgbClr val="FFFFFF"/>
-                    </a:solidFill>
-                  </a:tcPr>
-                </a:tc>
-                <a:tc>
-                  <a:txBody>
-                    <a:bodyPr/>
-                    <a:lstStyle/>
-                    <a:p>
-                      <a:pPr>
-                        <a:defRPr sz="1100">
-                          <a:solidFill>
-                            <a:srgbClr val="1A1A2E"/>
-                          </a:solidFill>
-                          <a:latin typeface="Meiryo"/>
-                        </a:defRPr>
-                      </a:pPr>
-                      <a:r>
-                        <a:t>コスト効率性（米国企業の1/5～1/10のコストで同等スペック）・中国市場での圧倒的地位・規制リスク回避への先制投資・R2（推論モデル）の将来期待値。弱点は『米国技術ダイニング規制の強化リスク』と『日本・EU市場での認知度低さ』。</a:t>
-                      </a:r>
-                    </a:p>
-                  </a:txBody>
-                  <a:tcPr>
-                    <a:solidFill>
-                      <a:srgbClr val="FFFFFF"/>
-                    </a:solidFill>
-                  </a:tcPr>
-                </a:tc>
-              </a:tr>
-              <a:tr h="640085">
-                <a:tc>
-                  <a:txBody>
-                    <a:bodyPr/>
-                    <a:lstStyle/>
-                    <a:p>
-                      <a:pPr>
-                        <a:defRPr sz="1100" b="1">
-                          <a:solidFill>
-                            <a:srgbClr val="1A1A2E"/>
-                          </a:solidFill>
-                          <a:latin typeface="Meiryo"/>
-                        </a:defRPr>
-                      </a:pPr>
-                      <a:r>
-                        <a:t>xAI（Musk傘下）</a:t>
-                      </a:r>
-                    </a:p>
-                  </a:txBody>
-                  <a:tcPr>
-                    <a:solidFill>
-                      <a:srgbClr val="E8F1F8"/>
-                    </a:solidFill>
-                  </a:tcPr>
-                </a:tc>
-                <a:tc>
-                  <a:txBody>
-                    <a:bodyPr/>
-                    <a:lstStyle/>
-                    <a:p>
-                      <a:pPr>
-                        <a:defRPr sz="1100">
-                          <a:solidFill>
-                            <a:srgbClr val="1A1A2E"/>
-                          </a:solidFill>
-                          <a:latin typeface="Meiryo"/>
-                        </a:defRPr>
-                      </a:pPr>
-                      <a:r>
-                        <a:t>推論効率化・インタープラネタリーAI・宇宙データセンター構想</a:t>
-                      </a:r>
-                    </a:p>
-                  </a:txBody>
-                  <a:tcPr>
-                    <a:solidFill>
-                      <a:srgbClr val="E8F1F8"/>
-                    </a:solidFill>
-                  </a:tcPr>
-                </a:tc>
-                <a:tc>
-                  <a:txBody>
-                    <a:bodyPr/>
-                    <a:lstStyle/>
-                    <a:p>
-                      <a:pPr>
-                        <a:defRPr sz="1100">
-                          <a:solidFill>
-                            <a:srgbClr val="1A1A2E"/>
-                          </a:solidFill>
-                          <a:latin typeface="Meiryo"/>
-                        </a:defRPr>
-                      </a:pPr>
-                      <a:r>
-                        <a:t>SpaceX合併発表、2-3年以内に『宇宙でのAI計算最安化』宣言、Grokの性的画像問題後も米国市場シェア回復（データ示唆）、X・Xプレミアムの$1B年間経常利益達成</a:t>
-                      </a:r>
-                    </a:p>
-                  </a:txBody>
-                  <a:tcPr>
-                    <a:solidFill>
-                      <a:srgbClr val="E8F1F8"/>
-                    </a:solidFill>
-                  </a:tcPr>
-                </a:tc>
-                <a:tc>
-                  <a:txBody>
-                    <a:bodyPr/>
-                    <a:lstStyle/>
-                    <a:p>
-                      <a:pPr algn="ctr">
-                        <a:defRPr sz="1400" b="1">
-                          <a:solidFill>
-                            <a:srgbClr val="007A33"/>
-                          </a:solidFill>
-                          <a:latin typeface="Meiryo"/>
-                        </a:defRPr>
-                      </a:pPr>
-                      <a:r>
-                        <a:t>▲</a:t>
-                      </a:r>
-                    </a:p>
-                  </a:txBody>
-                  <a:tcPr>
-                    <a:solidFill>
-                      <a:srgbClr val="E8F1F8"/>
-                    </a:solidFill>
-                  </a:tcPr>
-                </a:tc>
-                <a:tc>
-                  <a:txBody>
-                    <a:bodyPr/>
-                    <a:lstStyle/>
-                    <a:p>
-                      <a:pPr>
-                        <a:defRPr sz="1100">
-                          <a:solidFill>
-                            <a:srgbClr val="1A1A2E"/>
-                          </a:solidFill>
-                          <a:latin typeface="Meiryo"/>
-                        </a:defRPr>
-                      </a:pPr>
-                      <a:r>
-                        <a:t>宇宙インフラとの統合による『エネルギー独立化』の唯一の現実的選択肢・マスク発言による市場注目度・『規制回避可能性』への投機的投資。弱点は『技術実現の不確実性』と『複数の共同設立者離職』による内部混乱。</a:t>
+                        <a:t>Muskのブランド力・SpaceX統合の潜在力。ただしAnthropic・OpenAI比較で企業採用劣後</a:t>
                       </a:r>
                     </a:p>
                   </a:txBody>
@@ -10143,7 +10095,7 @@
             <a:avLst/>
           </a:prstGeom>
           <a:solidFill>
-            <a:srgbClr val="6C757D"/>
+            <a:srgbClr val="4285F4"/>
           </a:solidFill>
           <a:ln>
             <a:noFill/>
@@ -10202,7 +10154,7 @@
               </a:defRPr>
             </a:pPr>
             <a:r>
-              <a:t>  Google/Gemini  ◆</a:t>
+              <a:t>  Google  ▲</a:t>
             </a:r>
           </a:p>
         </p:txBody>
@@ -10216,6 +10168,85 @@
         <p:spPr>
           <a:xfrm>
             <a:off x="7132320" y="5669279"/>
+            <a:ext cx="2011680" cy="320040"/>
+          </a:xfrm>
+          <a:prstGeom prst="roundRect">
+            <a:avLst/>
+          </a:prstGeom>
+          <a:solidFill>
+            <a:srgbClr val="00A4EF"/>
+          </a:solidFill>
+          <a:ln>
+            <a:noFill/>
+          </a:ln>
+        </p:spPr>
+        <p:style>
+          <a:lnRef idx="1">
+            <a:schemeClr val="accent1"/>
+          </a:lnRef>
+          <a:fillRef idx="3">
+            <a:schemeClr val="accent1"/>
+          </a:fillRef>
+          <a:effectRef idx="2">
+            <a:schemeClr val="accent1"/>
+          </a:effectRef>
+          <a:fontRef idx="minor">
+            <a:schemeClr val="lt1"/>
+          </a:fontRef>
+        </p:style>
+        <p:txBody>
+          <a:bodyPr rtlCol="0" anchor="ctr"/>
+          <a:lstStyle/>
+          <a:p>
+            <a:pPr algn="ctr"/>
+          </a:p>
+        </p:txBody>
+      </p:sp>
+      <p:sp>
+        <p:nvSpPr>
+          <p:cNvPr id="14" name="TextBox 13"/>
+          <p:cNvSpPr txBox="1"/>
+          <p:nvPr/>
+        </p:nvSpPr>
+        <p:spPr>
+          <a:xfrm>
+            <a:off x="7132320" y="5669279"/>
+            <a:ext cx="2011680" cy="320040"/>
+          </a:xfrm>
+          <a:prstGeom prst="rect">
+            <a:avLst/>
+          </a:prstGeom>
+          <a:noFill/>
+        </p:spPr>
+        <p:txBody>
+          <a:bodyPr wrap="square" anchor="ctr">
+            <a:spAutoFit/>
+          </a:bodyPr>
+          <a:lstStyle/>
+          <a:p>
+            <a:pPr algn="ctr">
+              <a:defRPr sz="1100" b="1">
+                <a:solidFill>
+                  <a:srgbClr val="FFFFFF"/>
+                </a:solidFill>
+                <a:latin typeface="Meiryo"/>
+              </a:defRPr>
+            </a:pPr>
+            <a:r>
+              <a:t>  Microsoft  ▲</a:t>
+            </a:r>
+          </a:p>
+        </p:txBody>
+      </p:sp>
+      <p:sp>
+        <p:nvSpPr>
+          <p:cNvPr id="15" name="Rounded Rectangle 14"/>
+          <p:cNvSpPr/>
+          <p:nvPr/>
+        </p:nvSpPr>
+        <p:spPr>
+          <a:xfrm>
+            <a:off x="9326880" y="5669279"/>
             <a:ext cx="2011680" cy="320040"/>
           </a:xfrm>
           <a:prstGeom prst="roundRect">
@@ -10252,13 +10283,13 @@
       </p:sp>
       <p:sp>
         <p:nvSpPr>
-          <p:cNvPr id="14" name="TextBox 13"/>
+          <p:cNvPr id="16" name="TextBox 15"/>
           <p:cNvSpPr txBox="1"/>
           <p:nvPr/>
         </p:nvSpPr>
         <p:spPr>
           <a:xfrm>
-            <a:off x="7132320" y="5669279"/>
+            <a:off x="9326880" y="5669279"/>
             <a:ext cx="2011680" cy="320040"/>
           </a:xfrm>
           <a:prstGeom prst="rect">
@@ -10281,86 +10312,7 @@
               </a:defRPr>
             </a:pPr>
             <a:r>
-              <a:t>  Meta  ◆</a:t>
-            </a:r>
-          </a:p>
-        </p:txBody>
-      </p:sp>
-      <p:sp>
-        <p:nvSpPr>
-          <p:cNvPr id="15" name="Rounded Rectangle 14"/>
-          <p:cNvSpPr/>
-          <p:nvPr/>
-        </p:nvSpPr>
-        <p:spPr>
-          <a:xfrm>
-            <a:off x="9326880" y="5669279"/>
-            <a:ext cx="2011680" cy="320040"/>
-          </a:xfrm>
-          <a:prstGeom prst="roundRect">
-            <a:avLst/>
-          </a:prstGeom>
-          <a:solidFill>
-            <a:srgbClr val="6C757D"/>
-          </a:solidFill>
-          <a:ln>
-            <a:noFill/>
-          </a:ln>
-        </p:spPr>
-        <p:style>
-          <a:lnRef idx="1">
-            <a:schemeClr val="accent1"/>
-          </a:lnRef>
-          <a:fillRef idx="3">
-            <a:schemeClr val="accent1"/>
-          </a:fillRef>
-          <a:effectRef idx="2">
-            <a:schemeClr val="accent1"/>
-          </a:effectRef>
-          <a:fontRef idx="minor">
-            <a:schemeClr val="lt1"/>
-          </a:fontRef>
-        </p:style>
-        <p:txBody>
-          <a:bodyPr rtlCol="0" anchor="ctr"/>
-          <a:lstStyle/>
-          <a:p>
-            <a:pPr algn="ctr"/>
-          </a:p>
-        </p:txBody>
-      </p:sp>
-      <p:sp>
-        <p:nvSpPr>
-          <p:cNvPr id="16" name="TextBox 15"/>
-          <p:cNvSpPr txBox="1"/>
-          <p:nvPr/>
-        </p:nvSpPr>
-        <p:spPr>
-          <a:xfrm>
-            <a:off x="9326880" y="5669279"/>
-            <a:ext cx="2011680" cy="320040"/>
-          </a:xfrm>
-          <a:prstGeom prst="rect">
-            <a:avLst/>
-          </a:prstGeom>
-          <a:noFill/>
-        </p:spPr>
-        <p:txBody>
-          <a:bodyPr wrap="square" anchor="ctr">
-            <a:spAutoFit/>
-          </a:bodyPr>
-          <a:lstStyle/>
-          <a:p>
-            <a:pPr algn="ctr">
-              <a:defRPr sz="1100" b="1">
-                <a:solidFill>
-                  <a:srgbClr val="FFFFFF"/>
-                </a:solidFill>
-                <a:latin typeface="Meiryo"/>
-              </a:defRPr>
-            </a:pPr>
-            <a:r>
-              <a:t>  DeepSeek  ▲</a:t>
+              <a:t>  Meta  ▲</a:t>
             </a:r>
           </a:p>
         </p:txBody>
@@ -10696,7 +10648,7 @@
               </a:defRPr>
             </a:pPr>
             <a:r>
-              <a:t>AI資金調達が『二層構造化』：超大型ラウンド独占 vs 初期段階企業への投資停滞</a:t>
+              <a:t>エンタープライズAIの支配的勢力図の形成</a:t>
             </a:r>
           </a:p>
         </p:txBody>
@@ -10732,7 +10684,7 @@
               </a:defRPr>
             </a:pPr>
             <a:r>
-              <a:t>Anthropic $30B、OpenAI $100B目標という超大型ラウンド相場が確立される一方、Series A/B企業への初期段階投資が急冷している。VC資金の『濃縮』現象により、Sequoia、Altimeter等の名門VCが両社に同時投資するタブー破りが常態化。これは『圧倒的勝者1-2社への資本集中』を意味し、スタートアップエコシステムの多様性喪失が加速。結果として、2027年以降のAI</a:t>
+              <a:t>Anthropicのエンタープライズ戦略が鮮明になり、Fortune 10中8社を顧客化。年間支出100万ドル超の大型顧客が過去1年で7倍成長。GoogleやAnthropicはエンタープライズAI領域での支配力構築で優位との投資家評価が固まり、消費者向けのOpenAI・xAIとの差別化が明確化。この市場分断は2026年中盤まで続く見通し。Claude Codeの25億ドル売上は全体の18%を占め</a:t>
             </a:r>
           </a:p>
         </p:txBody>
@@ -10831,6 +10783,164 @@
             <a:avLst/>
           </a:prstGeom>
           <a:solidFill>
+            <a:srgbClr val="4285F4"/>
+          </a:solidFill>
+          <a:ln>
+            <a:noFill/>
+          </a:ln>
+        </p:spPr>
+        <p:style>
+          <a:lnRef idx="1">
+            <a:schemeClr val="accent1"/>
+          </a:lnRef>
+          <a:fillRef idx="3">
+            <a:schemeClr val="accent1"/>
+          </a:fillRef>
+          <a:effectRef idx="2">
+            <a:schemeClr val="accent1"/>
+          </a:effectRef>
+          <a:fontRef idx="minor">
+            <a:schemeClr val="lt1"/>
+          </a:fontRef>
+        </p:style>
+        <p:txBody>
+          <a:bodyPr rtlCol="0" anchor="ctr"/>
+          <a:lstStyle/>
+          <a:p>
+            <a:pPr algn="ctr"/>
+          </a:p>
+        </p:txBody>
+      </p:sp>
+      <p:sp>
+        <p:nvSpPr>
+          <p:cNvPr id="14" name="TextBox 13"/>
+          <p:cNvSpPr txBox="1"/>
+          <p:nvPr/>
+        </p:nvSpPr>
+        <p:spPr>
+          <a:xfrm>
+            <a:off x="2148840" y="2880360"/>
+            <a:ext cx="1188720" cy="274320"/>
+          </a:xfrm>
+          <a:prstGeom prst="rect">
+            <a:avLst/>
+          </a:prstGeom>
+          <a:noFill/>
+        </p:spPr>
+        <p:txBody>
+          <a:bodyPr wrap="square" anchor="ctr">
+            <a:spAutoFit/>
+          </a:bodyPr>
+          <a:lstStyle/>
+          <a:p>
+            <a:pPr algn="ctr">
+              <a:defRPr sz="900" b="1">
+                <a:solidFill>
+                  <a:srgbClr val="FFFFFF"/>
+                </a:solidFill>
+                <a:latin typeface="Meiryo"/>
+              </a:defRPr>
+            </a:pPr>
+            <a:r>
+              <a:t>Google</a:t>
+            </a:r>
+          </a:p>
+        </p:txBody>
+      </p:sp>
+      <p:sp>
+        <p:nvSpPr>
+          <p:cNvPr id="15" name="Rounded Rectangle 14"/>
+          <p:cNvSpPr/>
+          <p:nvPr/>
+        </p:nvSpPr>
+        <p:spPr>
+          <a:xfrm>
+            <a:off x="3429000" y="2880360"/>
+            <a:ext cx="1188720" cy="274320"/>
+          </a:xfrm>
+          <a:prstGeom prst="roundRect">
+            <a:avLst/>
+          </a:prstGeom>
+          <a:solidFill>
+            <a:srgbClr val="00A4EF"/>
+          </a:solidFill>
+          <a:ln>
+            <a:noFill/>
+          </a:ln>
+        </p:spPr>
+        <p:style>
+          <a:lnRef idx="1">
+            <a:schemeClr val="accent1"/>
+          </a:lnRef>
+          <a:fillRef idx="3">
+            <a:schemeClr val="accent1"/>
+          </a:fillRef>
+          <a:effectRef idx="2">
+            <a:schemeClr val="accent1"/>
+          </a:effectRef>
+          <a:fontRef idx="minor">
+            <a:schemeClr val="lt1"/>
+          </a:fontRef>
+        </p:style>
+        <p:txBody>
+          <a:bodyPr rtlCol="0" anchor="ctr"/>
+          <a:lstStyle/>
+          <a:p>
+            <a:pPr algn="ctr"/>
+          </a:p>
+        </p:txBody>
+      </p:sp>
+      <p:sp>
+        <p:nvSpPr>
+          <p:cNvPr id="16" name="TextBox 15"/>
+          <p:cNvSpPr txBox="1"/>
+          <p:nvPr/>
+        </p:nvSpPr>
+        <p:spPr>
+          <a:xfrm>
+            <a:off x="3429000" y="2880360"/>
+            <a:ext cx="1188720" cy="274320"/>
+          </a:xfrm>
+          <a:prstGeom prst="rect">
+            <a:avLst/>
+          </a:prstGeom>
+          <a:noFill/>
+        </p:spPr>
+        <p:txBody>
+          <a:bodyPr wrap="square" anchor="ctr">
+            <a:spAutoFit/>
+          </a:bodyPr>
+          <a:lstStyle/>
+          <a:p>
+            <a:pPr algn="ctr">
+              <a:defRPr sz="900" b="1">
+                <a:solidFill>
+                  <a:srgbClr val="FFFFFF"/>
+                </a:solidFill>
+                <a:latin typeface="Meiryo"/>
+              </a:defRPr>
+            </a:pPr>
+            <a:r>
+              <a:t>Microsoft</a:t>
+            </a:r>
+          </a:p>
+        </p:txBody>
+      </p:sp>
+      <p:sp>
+        <p:nvSpPr>
+          <p:cNvPr id="17" name="Rounded Rectangle 16"/>
+          <p:cNvSpPr/>
+          <p:nvPr/>
+        </p:nvSpPr>
+        <p:spPr>
+          <a:xfrm>
+            <a:off x="4709160" y="2880360"/>
+            <a:ext cx="1188720" cy="274320"/>
+          </a:xfrm>
+          <a:prstGeom prst="roundRect">
+            <a:avLst/>
+          </a:prstGeom>
+          <a:solidFill>
             <a:srgbClr val="10A37F"/>
           </a:solidFill>
           <a:ln>
@@ -10861,13 +10971,13 @@
       </p:sp>
       <p:sp>
         <p:nvSpPr>
-          <p:cNvPr id="14" name="TextBox 13"/>
+          <p:cNvPr id="18" name="TextBox 17"/>
           <p:cNvSpPr txBox="1"/>
           <p:nvPr/>
         </p:nvSpPr>
         <p:spPr>
           <a:xfrm>
-            <a:off x="2148840" y="2880360"/>
+            <a:off x="4709160" y="2880360"/>
             <a:ext cx="1188720" cy="274320"/>
           </a:xfrm>
           <a:prstGeom prst="rect">
@@ -10891,164 +11001,6 @@
             </a:pPr>
             <a:r>
               <a:t>OpenAI</a:t>
-            </a:r>
-          </a:p>
-        </p:txBody>
-      </p:sp>
-      <p:sp>
-        <p:nvSpPr>
-          <p:cNvPr id="15" name="Rounded Rectangle 14"/>
-          <p:cNvSpPr/>
-          <p:nvPr/>
-        </p:nvSpPr>
-        <p:spPr>
-          <a:xfrm>
-            <a:off x="3429000" y="2880360"/>
-            <a:ext cx="1188720" cy="274320"/>
-          </a:xfrm>
-          <a:prstGeom prst="roundRect">
-            <a:avLst/>
-          </a:prstGeom>
-          <a:solidFill>
-            <a:srgbClr val="6C757D"/>
-          </a:solidFill>
-          <a:ln>
-            <a:noFill/>
-          </a:ln>
-        </p:spPr>
-        <p:style>
-          <a:lnRef idx="1">
-            <a:schemeClr val="accent1"/>
-          </a:lnRef>
-          <a:fillRef idx="3">
-            <a:schemeClr val="accent1"/>
-          </a:fillRef>
-          <a:effectRef idx="2">
-            <a:schemeClr val="accent1"/>
-          </a:effectRef>
-          <a:fontRef idx="minor">
-            <a:schemeClr val="lt1"/>
-          </a:fontRef>
-        </p:style>
-        <p:txBody>
-          <a:bodyPr rtlCol="0" anchor="ctr"/>
-          <a:lstStyle/>
-          <a:p>
-            <a:pPr algn="ctr"/>
-          </a:p>
-        </p:txBody>
-      </p:sp>
-      <p:sp>
-        <p:nvSpPr>
-          <p:cNvPr id="16" name="TextBox 15"/>
-          <p:cNvSpPr txBox="1"/>
-          <p:nvPr/>
-        </p:nvSpPr>
-        <p:spPr>
-          <a:xfrm>
-            <a:off x="3429000" y="2880360"/>
-            <a:ext cx="1188720" cy="274320"/>
-          </a:xfrm>
-          <a:prstGeom prst="rect">
-            <a:avLst/>
-          </a:prstGeom>
-          <a:noFill/>
-        </p:spPr>
-        <p:txBody>
-          <a:bodyPr wrap="square" anchor="ctr">
-            <a:spAutoFit/>
-          </a:bodyPr>
-          <a:lstStyle/>
-          <a:p>
-            <a:pPr algn="ctr">
-              <a:defRPr sz="900" b="1">
-                <a:solidFill>
-                  <a:srgbClr val="FFFFFF"/>
-                </a:solidFill>
-                <a:latin typeface="Meiryo"/>
-              </a:defRPr>
-            </a:pPr>
-            <a:r>
-              <a:t>Sequoia Capital</a:t>
-            </a:r>
-          </a:p>
-        </p:txBody>
-      </p:sp>
-      <p:sp>
-        <p:nvSpPr>
-          <p:cNvPr id="17" name="Rounded Rectangle 16"/>
-          <p:cNvSpPr/>
-          <p:nvPr/>
-        </p:nvSpPr>
-        <p:spPr>
-          <a:xfrm>
-            <a:off x="4709160" y="2880360"/>
-            <a:ext cx="1188720" cy="274320"/>
-          </a:xfrm>
-          <a:prstGeom prst="roundRect">
-            <a:avLst/>
-          </a:prstGeom>
-          <a:solidFill>
-            <a:srgbClr val="6C757D"/>
-          </a:solidFill>
-          <a:ln>
-            <a:noFill/>
-          </a:ln>
-        </p:spPr>
-        <p:style>
-          <a:lnRef idx="1">
-            <a:schemeClr val="accent1"/>
-          </a:lnRef>
-          <a:fillRef idx="3">
-            <a:schemeClr val="accent1"/>
-          </a:fillRef>
-          <a:effectRef idx="2">
-            <a:schemeClr val="accent1"/>
-          </a:effectRef>
-          <a:fontRef idx="minor">
-            <a:schemeClr val="lt1"/>
-          </a:fontRef>
-        </p:style>
-        <p:txBody>
-          <a:bodyPr rtlCol="0" anchor="ctr"/>
-          <a:lstStyle/>
-          <a:p>
-            <a:pPr algn="ctr"/>
-          </a:p>
-        </p:txBody>
-      </p:sp>
-      <p:sp>
-        <p:nvSpPr>
-          <p:cNvPr id="18" name="TextBox 17"/>
-          <p:cNvSpPr txBox="1"/>
-          <p:nvPr/>
-        </p:nvSpPr>
-        <p:spPr>
-          <a:xfrm>
-            <a:off x="4709160" y="2880360"/>
-            <a:ext cx="1188720" cy="274320"/>
-          </a:xfrm>
-          <a:prstGeom prst="rect">
-            <a:avLst/>
-          </a:prstGeom>
-          <a:noFill/>
-        </p:spPr>
-        <p:txBody>
-          <a:bodyPr wrap="square" anchor="ctr">
-            <a:spAutoFit/>
-          </a:bodyPr>
-          <a:lstStyle/>
-          <a:p>
-            <a:pPr algn="ctr">
-              <a:defRPr sz="900" b="1">
-                <a:solidFill>
-                  <a:srgbClr val="FFFFFF"/>
-                </a:solidFill>
-                <a:latin typeface="Meiryo"/>
-              </a:defRPr>
-            </a:pPr>
-            <a:r>
-              <a:t>Altimeter Capital</a:t>
             </a:r>
           </a:p>
         </p:txBody>
@@ -11208,7 +11160,7 @@
               </a:defRPr>
             </a:pPr>
             <a:r>
-              <a:t>中国AI『自給自足化』の加速：米国技術依存からの戦略的脱却</a:t>
+              <a:t>AI安全性の危機的状況と業界内の告発圧力</a:t>
             </a:r>
           </a:p>
         </p:txBody>
@@ -11244,7 +11196,7 @@
               </a:defRPr>
             </a:pPr>
             <a:r>
-              <a:t>DeepSeek衝撃から1年経過時点で、中国企業群は『米国モデル追従』から『独自路線開拓』へシフト。ByteDanceのSeedance 2.0による『1プロンプト高品質動画生成』、Alibabaの『アージェント商取引』（消費者購買の完全自動化）、iFlytek Spark X2の『中国製チップのみ学習』宣言等、米国への技術・エネルギー依存を減らす投資パターンが明確化。DeepSeek V4予告は</a:t>
+              <a:t>Anthropicの安全保障研究責任者が『世界は危機的状況にある』と公開辞表、OpenAI安全研究チームの解体報道、Hieu Phamら複数研究者の『存在的脅威』告発がX上で急拡散。Matt Shumerのパンデミック比較投稿が36時間で5600万ビュー。各企業の報告書では自社モデルが化学兵器製造に利用可能と明記するも、経営陣の安全性軽視方針との乖離が表面化。規制当局の対応遅れで業界内部告発の圧力</a:t>
             </a:r>
           </a:p>
         </p:txBody>
@@ -11258,6 +11210,164 @@
         <p:spPr>
           <a:xfrm>
             <a:off x="6446520" y="2880360"/>
+            <a:ext cx="1188720" cy="274320"/>
+          </a:xfrm>
+          <a:prstGeom prst="roundRect">
+            <a:avLst/>
+          </a:prstGeom>
+          <a:solidFill>
+            <a:srgbClr val="D4A574"/>
+          </a:solidFill>
+          <a:ln>
+            <a:noFill/>
+          </a:ln>
+        </p:spPr>
+        <p:style>
+          <a:lnRef idx="1">
+            <a:schemeClr val="accent1"/>
+          </a:lnRef>
+          <a:fillRef idx="3">
+            <a:schemeClr val="accent1"/>
+          </a:fillRef>
+          <a:effectRef idx="2">
+            <a:schemeClr val="accent1"/>
+          </a:effectRef>
+          <a:fontRef idx="minor">
+            <a:schemeClr val="lt1"/>
+          </a:fontRef>
+        </p:style>
+        <p:txBody>
+          <a:bodyPr rtlCol="0" anchor="ctr"/>
+          <a:lstStyle/>
+          <a:p>
+            <a:pPr algn="ctr"/>
+          </a:p>
+        </p:txBody>
+      </p:sp>
+      <p:sp>
+        <p:nvSpPr>
+          <p:cNvPr id="25" name="TextBox 24"/>
+          <p:cNvSpPr txBox="1"/>
+          <p:nvPr/>
+        </p:nvSpPr>
+        <p:spPr>
+          <a:xfrm>
+            <a:off x="6446520" y="2880360"/>
+            <a:ext cx="1188720" cy="274320"/>
+          </a:xfrm>
+          <a:prstGeom prst="rect">
+            <a:avLst/>
+          </a:prstGeom>
+          <a:noFill/>
+        </p:spPr>
+        <p:txBody>
+          <a:bodyPr wrap="square" anchor="ctr">
+            <a:spAutoFit/>
+          </a:bodyPr>
+          <a:lstStyle/>
+          <a:p>
+            <a:pPr algn="ctr">
+              <a:defRPr sz="900" b="1">
+                <a:solidFill>
+                  <a:srgbClr val="FFFFFF"/>
+                </a:solidFill>
+                <a:latin typeface="Meiryo"/>
+              </a:defRPr>
+            </a:pPr>
+            <a:r>
+              <a:t>Anthropic</a:t>
+            </a:r>
+          </a:p>
+        </p:txBody>
+      </p:sp>
+      <p:sp>
+        <p:nvSpPr>
+          <p:cNvPr id="26" name="Rounded Rectangle 25"/>
+          <p:cNvSpPr/>
+          <p:nvPr/>
+        </p:nvSpPr>
+        <p:spPr>
+          <a:xfrm>
+            <a:off x="7726680" y="2880360"/>
+            <a:ext cx="1188720" cy="274320"/>
+          </a:xfrm>
+          <a:prstGeom prst="roundRect">
+            <a:avLst/>
+          </a:prstGeom>
+          <a:solidFill>
+            <a:srgbClr val="10A37F"/>
+          </a:solidFill>
+          <a:ln>
+            <a:noFill/>
+          </a:ln>
+        </p:spPr>
+        <p:style>
+          <a:lnRef idx="1">
+            <a:schemeClr val="accent1"/>
+          </a:lnRef>
+          <a:fillRef idx="3">
+            <a:schemeClr val="accent1"/>
+          </a:fillRef>
+          <a:effectRef idx="2">
+            <a:schemeClr val="accent1"/>
+          </a:effectRef>
+          <a:fontRef idx="minor">
+            <a:schemeClr val="lt1"/>
+          </a:fontRef>
+        </p:style>
+        <p:txBody>
+          <a:bodyPr rtlCol="0" anchor="ctr"/>
+          <a:lstStyle/>
+          <a:p>
+            <a:pPr algn="ctr"/>
+          </a:p>
+        </p:txBody>
+      </p:sp>
+      <p:sp>
+        <p:nvSpPr>
+          <p:cNvPr id="27" name="TextBox 26"/>
+          <p:cNvSpPr txBox="1"/>
+          <p:nvPr/>
+        </p:nvSpPr>
+        <p:spPr>
+          <a:xfrm>
+            <a:off x="7726680" y="2880360"/>
+            <a:ext cx="1188720" cy="274320"/>
+          </a:xfrm>
+          <a:prstGeom prst="rect">
+            <a:avLst/>
+          </a:prstGeom>
+          <a:noFill/>
+        </p:spPr>
+        <p:txBody>
+          <a:bodyPr wrap="square" anchor="ctr">
+            <a:spAutoFit/>
+          </a:bodyPr>
+          <a:lstStyle/>
+          <a:p>
+            <a:pPr algn="ctr">
+              <a:defRPr sz="900" b="1">
+                <a:solidFill>
+                  <a:srgbClr val="FFFFFF"/>
+                </a:solidFill>
+                <a:latin typeface="Meiryo"/>
+              </a:defRPr>
+            </a:pPr>
+            <a:r>
+              <a:t>OpenAI</a:t>
+            </a:r>
+          </a:p>
+        </p:txBody>
+      </p:sp>
+      <p:sp>
+        <p:nvSpPr>
+          <p:cNvPr id="28" name="Rounded Rectangle 27"/>
+          <p:cNvSpPr/>
+          <p:nvPr/>
+        </p:nvSpPr>
+        <p:spPr>
+          <a:xfrm>
+            <a:off x="9006840" y="2880360"/>
             <a:ext cx="1188720" cy="274320"/>
           </a:xfrm>
           <a:prstGeom prst="roundRect">
@@ -11294,13 +11404,13 @@
       </p:sp>
       <p:sp>
         <p:nvSpPr>
-          <p:cNvPr id="25" name="TextBox 24"/>
+          <p:cNvPr id="29" name="TextBox 28"/>
           <p:cNvSpPr txBox="1"/>
           <p:nvPr/>
         </p:nvSpPr>
         <p:spPr>
           <a:xfrm>
-            <a:off x="6446520" y="2880360"/>
+            <a:off x="9006840" y="2880360"/>
             <a:ext cx="1188720" cy="274320"/>
           </a:xfrm>
           <a:prstGeom prst="rect">
@@ -11323,165 +11433,7 @@
               </a:defRPr>
             </a:pPr>
             <a:r>
-              <a:t>DeepSeek</a:t>
-            </a:r>
-          </a:p>
-        </p:txBody>
-      </p:sp>
-      <p:sp>
-        <p:nvSpPr>
-          <p:cNvPr id="26" name="Rounded Rectangle 25"/>
-          <p:cNvSpPr/>
-          <p:nvPr/>
-        </p:nvSpPr>
-        <p:spPr>
-          <a:xfrm>
-            <a:off x="7726680" y="2880360"/>
-            <a:ext cx="1188720" cy="274320"/>
-          </a:xfrm>
-          <a:prstGeom prst="roundRect">
-            <a:avLst/>
-          </a:prstGeom>
-          <a:solidFill>
-            <a:srgbClr val="6C757D"/>
-          </a:solidFill>
-          <a:ln>
-            <a:noFill/>
-          </a:ln>
-        </p:spPr>
-        <p:style>
-          <a:lnRef idx="1">
-            <a:schemeClr val="accent1"/>
-          </a:lnRef>
-          <a:fillRef idx="3">
-            <a:schemeClr val="accent1"/>
-          </a:fillRef>
-          <a:effectRef idx="2">
-            <a:schemeClr val="accent1"/>
-          </a:effectRef>
-          <a:fontRef idx="minor">
-            <a:schemeClr val="lt1"/>
-          </a:fontRef>
-        </p:style>
-        <p:txBody>
-          <a:bodyPr rtlCol="0" anchor="ctr"/>
-          <a:lstStyle/>
-          <a:p>
-            <a:pPr algn="ctr"/>
-          </a:p>
-        </p:txBody>
-      </p:sp>
-      <p:sp>
-        <p:nvSpPr>
-          <p:cNvPr id="27" name="TextBox 26"/>
-          <p:cNvSpPr txBox="1"/>
-          <p:nvPr/>
-        </p:nvSpPr>
-        <p:spPr>
-          <a:xfrm>
-            <a:off x="7726680" y="2880360"/>
-            <a:ext cx="1188720" cy="274320"/>
-          </a:xfrm>
-          <a:prstGeom prst="rect">
-            <a:avLst/>
-          </a:prstGeom>
-          <a:noFill/>
-        </p:spPr>
-        <p:txBody>
-          <a:bodyPr wrap="square" anchor="ctr">
-            <a:spAutoFit/>
-          </a:bodyPr>
-          <a:lstStyle/>
-          <a:p>
-            <a:pPr algn="ctr">
-              <a:defRPr sz="900" b="1">
-                <a:solidFill>
-                  <a:srgbClr val="FFFFFF"/>
-                </a:solidFill>
-                <a:latin typeface="Meiryo"/>
-              </a:defRPr>
-            </a:pPr>
-            <a:r>
-              <a:t>ByteDance</a:t>
-            </a:r>
-          </a:p>
-        </p:txBody>
-      </p:sp>
-      <p:sp>
-        <p:nvSpPr>
-          <p:cNvPr id="28" name="Rounded Rectangle 27"/>
-          <p:cNvSpPr/>
-          <p:nvPr/>
-        </p:nvSpPr>
-        <p:spPr>
-          <a:xfrm>
-            <a:off x="9006840" y="2880360"/>
-            <a:ext cx="1188720" cy="274320"/>
-          </a:xfrm>
-          <a:prstGeom prst="roundRect">
-            <a:avLst/>
-          </a:prstGeom>
-          <a:solidFill>
-            <a:srgbClr val="6C757D"/>
-          </a:solidFill>
-          <a:ln>
-            <a:noFill/>
-          </a:ln>
-        </p:spPr>
-        <p:style>
-          <a:lnRef idx="1">
-            <a:schemeClr val="accent1"/>
-          </a:lnRef>
-          <a:fillRef idx="3">
-            <a:schemeClr val="accent1"/>
-          </a:fillRef>
-          <a:effectRef idx="2">
-            <a:schemeClr val="accent1"/>
-          </a:effectRef>
-          <a:fontRef idx="minor">
-            <a:schemeClr val="lt1"/>
-          </a:fontRef>
-        </p:style>
-        <p:txBody>
-          <a:bodyPr rtlCol="0" anchor="ctr"/>
-          <a:lstStyle/>
-          <a:p>
-            <a:pPr algn="ctr"/>
-          </a:p>
-        </p:txBody>
-      </p:sp>
-      <p:sp>
-        <p:nvSpPr>
-          <p:cNvPr id="29" name="TextBox 28"/>
-          <p:cNvSpPr txBox="1"/>
-          <p:nvPr/>
-        </p:nvSpPr>
-        <p:spPr>
-          <a:xfrm>
-            <a:off x="9006840" y="2880360"/>
-            <a:ext cx="1188720" cy="274320"/>
-          </a:xfrm>
-          <a:prstGeom prst="rect">
-            <a:avLst/>
-          </a:prstGeom>
-          <a:noFill/>
-        </p:spPr>
-        <p:txBody>
-          <a:bodyPr wrap="square" anchor="ctr">
-            <a:spAutoFit/>
-          </a:bodyPr>
-          <a:lstStyle/>
-          <a:p>
-            <a:pPr algn="ctr">
-              <a:defRPr sz="900" b="1">
-                <a:solidFill>
-                  <a:srgbClr val="FFFFFF"/>
-                </a:solidFill>
-                <a:latin typeface="Meiryo"/>
-              </a:defRPr>
-            </a:pPr>
-            <a:r>
-              <a:t>Alibaba</a:t>
+              <a:t>xAI</a:t>
             </a:r>
           </a:p>
         </p:txBody>
@@ -11489,85 +11441,6 @@
       <p:sp>
         <p:nvSpPr>
           <p:cNvPr id="30" name="Rounded Rectangle 29"/>
-          <p:cNvSpPr/>
-          <p:nvPr/>
-        </p:nvSpPr>
-        <p:spPr>
-          <a:xfrm>
-            <a:off x="10287000" y="2880360"/>
-            <a:ext cx="1188720" cy="274320"/>
-          </a:xfrm>
-          <a:prstGeom prst="roundRect">
-            <a:avLst/>
-          </a:prstGeom>
-          <a:solidFill>
-            <a:srgbClr val="6C757D"/>
-          </a:solidFill>
-          <a:ln>
-            <a:noFill/>
-          </a:ln>
-        </p:spPr>
-        <p:style>
-          <a:lnRef idx="1">
-            <a:schemeClr val="accent1"/>
-          </a:lnRef>
-          <a:fillRef idx="3">
-            <a:schemeClr val="accent1"/>
-          </a:fillRef>
-          <a:effectRef idx="2">
-            <a:schemeClr val="accent1"/>
-          </a:effectRef>
-          <a:fontRef idx="minor">
-            <a:schemeClr val="lt1"/>
-          </a:fontRef>
-        </p:style>
-        <p:txBody>
-          <a:bodyPr rtlCol="0" anchor="ctr"/>
-          <a:lstStyle/>
-          <a:p>
-            <a:pPr algn="ctr"/>
-          </a:p>
-        </p:txBody>
-      </p:sp>
-      <p:sp>
-        <p:nvSpPr>
-          <p:cNvPr id="31" name="TextBox 30"/>
-          <p:cNvSpPr txBox="1"/>
-          <p:nvPr/>
-        </p:nvSpPr>
-        <p:spPr>
-          <a:xfrm>
-            <a:off x="10287000" y="2880360"/>
-            <a:ext cx="1188720" cy="274320"/>
-          </a:xfrm>
-          <a:prstGeom prst="rect">
-            <a:avLst/>
-          </a:prstGeom>
-          <a:noFill/>
-        </p:spPr>
-        <p:txBody>
-          <a:bodyPr wrap="square" anchor="ctr">
-            <a:spAutoFit/>
-          </a:bodyPr>
-          <a:lstStyle/>
-          <a:p>
-            <a:pPr algn="ctr">
-              <a:defRPr sz="900" b="1">
-                <a:solidFill>
-                  <a:srgbClr val="FFFFFF"/>
-                </a:solidFill>
-                <a:latin typeface="Meiryo"/>
-              </a:defRPr>
-            </a:pPr>
-            <a:r>
-              <a:t>Zhipu</a:t>
-            </a:r>
-          </a:p>
-        </p:txBody>
-      </p:sp>
-      <p:sp>
-        <p:nvSpPr>
-          <p:cNvPr id="32" name="Rounded Rectangle 31"/>
           <p:cNvSpPr/>
           <p:nvPr/>
         </p:nvSpPr>
@@ -11612,7 +11485,7 @@
       </p:sp>
       <p:sp>
         <p:nvSpPr>
-          <p:cNvPr id="33" name="Oval 32"/>
+          <p:cNvPr id="31" name="Oval 30"/>
           <p:cNvSpPr/>
           <p:nvPr/>
         </p:nvSpPr>
@@ -11655,7 +11528,7 @@
       </p:sp>
       <p:sp>
         <p:nvSpPr>
-          <p:cNvPr id="34" name="TextBox 33"/>
+          <p:cNvPr id="32" name="TextBox 31"/>
           <p:cNvSpPr txBox="1"/>
           <p:nvPr/>
         </p:nvSpPr>
@@ -11691,7 +11564,7 @@
       </p:sp>
       <p:sp>
         <p:nvSpPr>
-          <p:cNvPr id="35" name="TextBox 34"/>
+          <p:cNvPr id="33" name="TextBox 32"/>
           <p:cNvSpPr txBox="1"/>
           <p:nvPr/>
         </p:nvSpPr>
@@ -11720,14 +11593,14 @@
               </a:defRPr>
             </a:pPr>
             <a:r>
-              <a:t>エネルギー・インフラが『経営意思決定』の最優先課題に昇格</a:t>
-            </a:r>
-          </a:p>
-        </p:txBody>
-      </p:sp>
-      <p:sp>
-        <p:nvSpPr>
-          <p:cNvPr id="36" name="TextBox 35"/>
+              <a:t>インフラ電力制約がAI地政学を再編成</a:t>
+            </a:r>
+          </a:p>
+        </p:txBody>
+      </p:sp>
+      <p:sp>
+        <p:nvSpPr>
+          <p:cNvPr id="34" name="TextBox 33"/>
           <p:cNvSpPr txBox="1"/>
           <p:nvPr/>
         </p:nvSpPr>
@@ -11756,178 +11629,20 @@
               </a:defRPr>
             </a:pPr>
             <a:r>
-              <a:t>大型言語モデル訓練に必要な電力コスト（1モデル学習で25.3MW持続、累計50GWh消費等）が、OpenAI/Anthropicのキャッシュバーンレートの最大要因へ。AIデータセンターが従来ITセンター（10-20MW）から100-300MW、一部で1GWへ跳ね上がり、地域電力網の瓶頸化が急速に進行。Anthropicがデータセンター電力コスト負担を発表（2月12日）した背景には『電力確保競争での</a:t>
-            </a:r>
-          </a:p>
-        </p:txBody>
-      </p:sp>
-      <p:sp>
-        <p:nvSpPr>
-          <p:cNvPr id="37" name="Rounded Rectangle 36"/>
+              <a:t>Big Tech 4社の650-700億ドル投資計画により、従来の低コスト地域優先から『電力供給可能地域優先』への戦略転換が鮮明化。Meta・Microsoft・Amazon・Googleが原発・再生可能エネルギー契約で競合。Amazon単独で2026年の営業キャッシュフロー-170-280億ドルと悪化し、投資回収モデルの持続可能性に疑問。データセンター建設が東部・中部の給電地域に集中し、西部テッ</a:t>
+            </a:r>
+          </a:p>
+        </p:txBody>
+      </p:sp>
+      <p:sp>
+        <p:nvSpPr>
+          <p:cNvPr id="35" name="Rounded Rectangle 34"/>
           <p:cNvSpPr/>
           <p:nvPr/>
         </p:nvSpPr>
         <p:spPr>
           <a:xfrm>
             <a:off x="868680" y="5394960"/>
-            <a:ext cx="1188720" cy="274320"/>
-          </a:xfrm>
-          <a:prstGeom prst="roundRect">
-            <a:avLst/>
-          </a:prstGeom>
-          <a:solidFill>
-            <a:srgbClr val="D4A574"/>
-          </a:solidFill>
-          <a:ln>
-            <a:noFill/>
-          </a:ln>
-        </p:spPr>
-        <p:style>
-          <a:lnRef idx="1">
-            <a:schemeClr val="accent1"/>
-          </a:lnRef>
-          <a:fillRef idx="3">
-            <a:schemeClr val="accent1"/>
-          </a:fillRef>
-          <a:effectRef idx="2">
-            <a:schemeClr val="accent1"/>
-          </a:effectRef>
-          <a:fontRef idx="minor">
-            <a:schemeClr val="lt1"/>
-          </a:fontRef>
-        </p:style>
-        <p:txBody>
-          <a:bodyPr rtlCol="0" anchor="ctr"/>
-          <a:lstStyle/>
-          <a:p>
-            <a:pPr algn="ctr"/>
-          </a:p>
-        </p:txBody>
-      </p:sp>
-      <p:sp>
-        <p:nvSpPr>
-          <p:cNvPr id="38" name="TextBox 37"/>
-          <p:cNvSpPr txBox="1"/>
-          <p:nvPr/>
-        </p:nvSpPr>
-        <p:spPr>
-          <a:xfrm>
-            <a:off x="868680" y="5394960"/>
-            <a:ext cx="1188720" cy="274320"/>
-          </a:xfrm>
-          <a:prstGeom prst="rect">
-            <a:avLst/>
-          </a:prstGeom>
-          <a:noFill/>
-        </p:spPr>
-        <p:txBody>
-          <a:bodyPr wrap="square" anchor="ctr">
-            <a:spAutoFit/>
-          </a:bodyPr>
-          <a:lstStyle/>
-          <a:p>
-            <a:pPr algn="ctr">
-              <a:defRPr sz="900" b="1">
-                <a:solidFill>
-                  <a:srgbClr val="FFFFFF"/>
-                </a:solidFill>
-                <a:latin typeface="Meiryo"/>
-              </a:defRPr>
-            </a:pPr>
-            <a:r>
-              <a:t>Anthropic</a:t>
-            </a:r>
-          </a:p>
-        </p:txBody>
-      </p:sp>
-      <p:sp>
-        <p:nvSpPr>
-          <p:cNvPr id="39" name="Rounded Rectangle 38"/>
-          <p:cNvSpPr/>
-          <p:nvPr/>
-        </p:nvSpPr>
-        <p:spPr>
-          <a:xfrm>
-            <a:off x="2148840" y="5394960"/>
-            <a:ext cx="1188720" cy="274320"/>
-          </a:xfrm>
-          <a:prstGeom prst="roundRect">
-            <a:avLst/>
-          </a:prstGeom>
-          <a:solidFill>
-            <a:srgbClr val="10A37F"/>
-          </a:solidFill>
-          <a:ln>
-            <a:noFill/>
-          </a:ln>
-        </p:spPr>
-        <p:style>
-          <a:lnRef idx="1">
-            <a:schemeClr val="accent1"/>
-          </a:lnRef>
-          <a:fillRef idx="3">
-            <a:schemeClr val="accent1"/>
-          </a:fillRef>
-          <a:effectRef idx="2">
-            <a:schemeClr val="accent1"/>
-          </a:effectRef>
-          <a:fontRef idx="minor">
-            <a:schemeClr val="lt1"/>
-          </a:fontRef>
-        </p:style>
-        <p:txBody>
-          <a:bodyPr rtlCol="0" anchor="ctr"/>
-          <a:lstStyle/>
-          <a:p>
-            <a:pPr algn="ctr"/>
-          </a:p>
-        </p:txBody>
-      </p:sp>
-      <p:sp>
-        <p:nvSpPr>
-          <p:cNvPr id="40" name="TextBox 39"/>
-          <p:cNvSpPr txBox="1"/>
-          <p:nvPr/>
-        </p:nvSpPr>
-        <p:spPr>
-          <a:xfrm>
-            <a:off x="2148840" y="5394960"/>
-            <a:ext cx="1188720" cy="274320"/>
-          </a:xfrm>
-          <a:prstGeom prst="rect">
-            <a:avLst/>
-          </a:prstGeom>
-          <a:noFill/>
-        </p:spPr>
-        <p:txBody>
-          <a:bodyPr wrap="square" anchor="ctr">
-            <a:spAutoFit/>
-          </a:bodyPr>
-          <a:lstStyle/>
-          <a:p>
-            <a:pPr algn="ctr">
-              <a:defRPr sz="900" b="1">
-                <a:solidFill>
-                  <a:srgbClr val="FFFFFF"/>
-                </a:solidFill>
-                <a:latin typeface="Meiryo"/>
-              </a:defRPr>
-            </a:pPr>
-            <a:r>
-              <a:t>OpenAI</a:t>
-            </a:r>
-          </a:p>
-        </p:txBody>
-      </p:sp>
-      <p:sp>
-        <p:nvSpPr>
-          <p:cNvPr id="41" name="Rounded Rectangle 40"/>
-          <p:cNvSpPr/>
-          <p:nvPr/>
-        </p:nvSpPr>
-        <p:spPr>
-          <a:xfrm>
-            <a:off x="3429000" y="5394960"/>
             <a:ext cx="1188720" cy="274320"/>
           </a:xfrm>
           <a:prstGeom prst="roundRect">
@@ -11964,13 +11679,13 @@
       </p:sp>
       <p:sp>
         <p:nvSpPr>
-          <p:cNvPr id="42" name="TextBox 41"/>
+          <p:cNvPr id="36" name="TextBox 35"/>
           <p:cNvSpPr txBox="1"/>
           <p:nvPr/>
         </p:nvSpPr>
         <p:spPr>
           <a:xfrm>
-            <a:off x="3429000" y="5394960"/>
+            <a:off x="868680" y="5394960"/>
             <a:ext cx="1188720" cy="274320"/>
           </a:xfrm>
           <a:prstGeom prst="rect">
@@ -12000,13 +11715,92 @@
       </p:sp>
       <p:sp>
         <p:nvSpPr>
-          <p:cNvPr id="43" name="Rounded Rectangle 42"/>
+          <p:cNvPr id="37" name="Rounded Rectangle 36"/>
           <p:cNvSpPr/>
           <p:nvPr/>
         </p:nvSpPr>
         <p:spPr>
           <a:xfrm>
-            <a:off x="4709160" y="5394960"/>
+            <a:off x="2148840" y="5394960"/>
+            <a:ext cx="1188720" cy="274320"/>
+          </a:xfrm>
+          <a:prstGeom prst="roundRect">
+            <a:avLst/>
+          </a:prstGeom>
+          <a:solidFill>
+            <a:srgbClr val="6C757D"/>
+          </a:solidFill>
+          <a:ln>
+            <a:noFill/>
+          </a:ln>
+        </p:spPr>
+        <p:style>
+          <a:lnRef idx="1">
+            <a:schemeClr val="accent1"/>
+          </a:lnRef>
+          <a:fillRef idx="3">
+            <a:schemeClr val="accent1"/>
+          </a:fillRef>
+          <a:effectRef idx="2">
+            <a:schemeClr val="accent1"/>
+          </a:effectRef>
+          <a:fontRef idx="minor">
+            <a:schemeClr val="lt1"/>
+          </a:fontRef>
+        </p:style>
+        <p:txBody>
+          <a:bodyPr rtlCol="0" anchor="ctr"/>
+          <a:lstStyle/>
+          <a:p>
+            <a:pPr algn="ctr"/>
+          </a:p>
+        </p:txBody>
+      </p:sp>
+      <p:sp>
+        <p:nvSpPr>
+          <p:cNvPr id="38" name="TextBox 37"/>
+          <p:cNvSpPr txBox="1"/>
+          <p:nvPr/>
+        </p:nvSpPr>
+        <p:spPr>
+          <a:xfrm>
+            <a:off x="2148840" y="5394960"/>
+            <a:ext cx="1188720" cy="274320"/>
+          </a:xfrm>
+          <a:prstGeom prst="rect">
+            <a:avLst/>
+          </a:prstGeom>
+          <a:noFill/>
+        </p:spPr>
+        <p:txBody>
+          <a:bodyPr wrap="square" anchor="ctr">
+            <a:spAutoFit/>
+          </a:bodyPr>
+          <a:lstStyle/>
+          <a:p>
+            <a:pPr algn="ctr">
+              <a:defRPr sz="900" b="1">
+                <a:solidFill>
+                  <a:srgbClr val="FFFFFF"/>
+                </a:solidFill>
+                <a:latin typeface="Meiryo"/>
+              </a:defRPr>
+            </a:pPr>
+            <a:r>
+              <a:t>Amazon</a:t>
+            </a:r>
+          </a:p>
+        </p:txBody>
+      </p:sp>
+      <p:sp>
+        <p:nvSpPr>
+          <p:cNvPr id="39" name="Rounded Rectangle 38"/>
+          <p:cNvSpPr/>
+          <p:nvPr/>
+        </p:nvSpPr>
+        <p:spPr>
+          <a:xfrm>
+            <a:off x="3429000" y="5394960"/>
             <a:ext cx="1188720" cy="274320"/>
           </a:xfrm>
           <a:prstGeom prst="roundRect">
@@ -12043,13 +11837,13 @@
       </p:sp>
       <p:sp>
         <p:nvSpPr>
-          <p:cNvPr id="44" name="TextBox 43"/>
+          <p:cNvPr id="40" name="TextBox 39"/>
           <p:cNvSpPr txBox="1"/>
           <p:nvPr/>
         </p:nvSpPr>
         <p:spPr>
           <a:xfrm>
-            <a:off x="4709160" y="5394960"/>
+            <a:off x="3429000" y="5394960"/>
             <a:ext cx="1188720" cy="274320"/>
           </a:xfrm>
           <a:prstGeom prst="rect">
@@ -12079,25 +11873,23 @@
       </p:sp>
       <p:sp>
         <p:nvSpPr>
-          <p:cNvPr id="45" name="Rounded Rectangle 44"/>
+          <p:cNvPr id="41" name="Rounded Rectangle 40"/>
           <p:cNvSpPr/>
           <p:nvPr/>
         </p:nvSpPr>
         <p:spPr>
           <a:xfrm>
-            <a:off x="6263640" y="3520440"/>
-            <a:ext cx="5029200" cy="2286000"/>
+            <a:off x="4709160" y="5394960"/>
+            <a:ext cx="1188720" cy="274320"/>
           </a:xfrm>
           <a:prstGeom prst="roundRect">
             <a:avLst/>
           </a:prstGeom>
           <a:solidFill>
-            <a:srgbClr val="E8F1F8"/>
+            <a:srgbClr val="0668E1"/>
           </a:solidFill>
-          <a:ln w="12700">
-            <a:solidFill>
-              <a:srgbClr val="5BA4D9"/>
-            </a:solidFill>
+          <a:ln>
+            <a:noFill/>
           </a:ln>
         </p:spPr>
         <p:style>
@@ -12124,57 +11916,14 @@
       </p:sp>
       <p:sp>
         <p:nvSpPr>
-          <p:cNvPr id="46" name="Oval 45"/>
-          <p:cNvSpPr/>
-          <p:nvPr/>
-        </p:nvSpPr>
-        <p:spPr>
-          <a:xfrm>
-            <a:off x="6400800" y="3630168"/>
-            <a:ext cx="411480" cy="411480"/>
-          </a:xfrm>
-          <a:prstGeom prst="ellipse">
-            <a:avLst/>
-          </a:prstGeom>
-          <a:solidFill>
-            <a:srgbClr val="005BAB"/>
-          </a:solidFill>
-          <a:ln>
-            <a:noFill/>
-          </a:ln>
-        </p:spPr>
-        <p:style>
-          <a:lnRef idx="1">
-            <a:schemeClr val="accent1"/>
-          </a:lnRef>
-          <a:fillRef idx="3">
-            <a:schemeClr val="accent1"/>
-          </a:fillRef>
-          <a:effectRef idx="2">
-            <a:schemeClr val="accent1"/>
-          </a:effectRef>
-          <a:fontRef idx="minor">
-            <a:schemeClr val="lt1"/>
-          </a:fontRef>
-        </p:style>
-        <p:txBody>
-          <a:bodyPr rtlCol="0" anchor="ctr"/>
-          <a:lstStyle/>
-          <a:p>
-            <a:pPr algn="ctr"/>
-          </a:p>
-        </p:txBody>
-      </p:sp>
-      <p:sp>
-        <p:nvSpPr>
-          <p:cNvPr id="47" name="TextBox 46"/>
+          <p:cNvPr id="42" name="TextBox 41"/>
           <p:cNvSpPr txBox="1"/>
           <p:nvPr/>
         </p:nvSpPr>
         <p:spPr>
           <a:xfrm>
-            <a:off x="6400800" y="3630168"/>
-            <a:ext cx="411480" cy="411480"/>
+            <a:off x="4709160" y="5394960"/>
+            <a:ext cx="1188720" cy="274320"/>
           </a:xfrm>
           <a:prstGeom prst="rect">
             <a:avLst/>
@@ -12188,7 +11937,7 @@
           <a:lstStyle/>
           <a:p>
             <a:pPr algn="ctr">
-              <a:defRPr sz="1600" b="1">
+              <a:defRPr sz="900" b="1">
                 <a:solidFill>
                   <a:srgbClr val="FFFFFF"/>
                 </a:solidFill>
@@ -12196,402 +11945,14 @@
               </a:defRPr>
             </a:pPr>
             <a:r>
-              <a:t>4</a:t>
-            </a:r>
-          </a:p>
-        </p:txBody>
-      </p:sp>
-      <p:sp>
-        <p:nvSpPr>
-          <p:cNvPr id="48" name="TextBox 47"/>
-          <p:cNvSpPr txBox="1"/>
-          <p:nvPr/>
-        </p:nvSpPr>
-        <p:spPr>
-          <a:xfrm>
-            <a:off x="6903720" y="3657600"/>
-            <a:ext cx="4206240" cy="365760"/>
-          </a:xfrm>
-          <a:prstGeom prst="rect">
-            <a:avLst/>
-          </a:prstGeom>
-          <a:noFill/>
-        </p:spPr>
-        <p:txBody>
-          <a:bodyPr wrap="square">
-            <a:spAutoFit/>
-          </a:bodyPr>
-          <a:lstStyle/>
-          <a:p>
-            <a:pPr algn="l">
-              <a:defRPr sz="1400" b="1">
-                <a:solidFill>
-                  <a:srgbClr val="005BAB"/>
-                </a:solidFill>
-                <a:latin typeface="Meiryo"/>
-              </a:defRPr>
-            </a:pPr>
-            <a:r>
-              <a:t>『安全性 vs スケール』の戦略的乖離：内部警告と外部宣伝の矛盾が顕在化</a:t>
-            </a:r>
-          </a:p>
-        </p:txBody>
-      </p:sp>
-      <p:sp>
-        <p:nvSpPr>
-          <p:cNvPr id="49" name="TextBox 48"/>
-          <p:cNvSpPr txBox="1"/>
-          <p:nvPr/>
-        </p:nvSpPr>
-        <p:spPr>
-          <a:xfrm>
-            <a:off x="6446520" y="4069080"/>
-            <a:ext cx="4663440" cy="1097280"/>
-          </a:xfrm>
-          <a:prstGeom prst="rect">
-            <a:avLst/>
-          </a:prstGeom>
-          <a:noFill/>
-        </p:spPr>
-        <p:txBody>
-          <a:bodyPr wrap="square">
-            <a:spAutoFit/>
-          </a:bodyPr>
-          <a:lstStyle/>
-          <a:p>
-            <a:pPr algn="l">
-              <a:defRPr sz="1100" b="0">
-                <a:solidFill>
-                  <a:srgbClr val="1A1A2E"/>
-                </a:solidFill>
-                <a:latin typeface="Meiryo"/>
-              </a:defRPr>
-            </a:pPr>
-            <a:r>
-              <a:t>Anthropic安全研究責任者Sharma、OpenAI複数研究員の相次ぐ辞職により『内部での懸念が企業方針に反映されていない』ことが可視化。Anthropicは『安全重視』を掲げて$2,000万の規制支援寄付を発表しながら、同時に$30B調達で最大スケール追求へ。OpenAIは『責任あるスケーリング』を標榜する一方、GPT-5.3 Codexで『モデル自己改善』機能を搭載。この『安全性宣伝と資</a:t>
-            </a:r>
-          </a:p>
-        </p:txBody>
-      </p:sp>
-      <p:sp>
-        <p:nvSpPr>
-          <p:cNvPr id="50" name="Rounded Rectangle 49"/>
-          <p:cNvSpPr/>
-          <p:nvPr/>
-        </p:nvSpPr>
-        <p:spPr>
-          <a:xfrm>
-            <a:off x="6446520" y="5394960"/>
-            <a:ext cx="1188720" cy="274320"/>
-          </a:xfrm>
-          <a:prstGeom prst="roundRect">
-            <a:avLst/>
-          </a:prstGeom>
-          <a:solidFill>
-            <a:srgbClr val="D4A574"/>
-          </a:solidFill>
-          <a:ln>
-            <a:noFill/>
-          </a:ln>
-        </p:spPr>
-        <p:style>
-          <a:lnRef idx="1">
-            <a:schemeClr val="accent1"/>
-          </a:lnRef>
-          <a:fillRef idx="3">
-            <a:schemeClr val="accent1"/>
-          </a:fillRef>
-          <a:effectRef idx="2">
-            <a:schemeClr val="accent1"/>
-          </a:effectRef>
-          <a:fontRef idx="minor">
-            <a:schemeClr val="lt1"/>
-          </a:fontRef>
-        </p:style>
-        <p:txBody>
-          <a:bodyPr rtlCol="0" anchor="ctr"/>
-          <a:lstStyle/>
-          <a:p>
-            <a:pPr algn="ctr"/>
-          </a:p>
-        </p:txBody>
-      </p:sp>
-      <p:sp>
-        <p:nvSpPr>
-          <p:cNvPr id="51" name="TextBox 50"/>
-          <p:cNvSpPr txBox="1"/>
-          <p:nvPr/>
-        </p:nvSpPr>
-        <p:spPr>
-          <a:xfrm>
-            <a:off x="6446520" y="5394960"/>
-            <a:ext cx="1188720" cy="274320"/>
-          </a:xfrm>
-          <a:prstGeom prst="rect">
-            <a:avLst/>
-          </a:prstGeom>
-          <a:noFill/>
-        </p:spPr>
-        <p:txBody>
-          <a:bodyPr wrap="square" anchor="ctr">
-            <a:spAutoFit/>
-          </a:bodyPr>
-          <a:lstStyle/>
-          <a:p>
-            <a:pPr algn="ctr">
-              <a:defRPr sz="900" b="1">
-                <a:solidFill>
-                  <a:srgbClr val="FFFFFF"/>
-                </a:solidFill>
-                <a:latin typeface="Meiryo"/>
-              </a:defRPr>
-            </a:pPr>
-            <a:r>
-              <a:t>Anthropic</a:t>
-            </a:r>
-          </a:p>
-        </p:txBody>
-      </p:sp>
-      <p:sp>
-        <p:nvSpPr>
-          <p:cNvPr id="52" name="Rounded Rectangle 51"/>
-          <p:cNvSpPr/>
-          <p:nvPr/>
-        </p:nvSpPr>
-        <p:spPr>
-          <a:xfrm>
-            <a:off x="7726680" y="5394960"/>
-            <a:ext cx="1188720" cy="274320"/>
-          </a:xfrm>
-          <a:prstGeom prst="roundRect">
-            <a:avLst/>
-          </a:prstGeom>
-          <a:solidFill>
-            <a:srgbClr val="10A37F"/>
-          </a:solidFill>
-          <a:ln>
-            <a:noFill/>
-          </a:ln>
-        </p:spPr>
-        <p:style>
-          <a:lnRef idx="1">
-            <a:schemeClr val="accent1"/>
-          </a:lnRef>
-          <a:fillRef idx="3">
-            <a:schemeClr val="accent1"/>
-          </a:fillRef>
-          <a:effectRef idx="2">
-            <a:schemeClr val="accent1"/>
-          </a:effectRef>
-          <a:fontRef idx="minor">
-            <a:schemeClr val="lt1"/>
-          </a:fontRef>
-        </p:style>
-        <p:txBody>
-          <a:bodyPr rtlCol="0" anchor="ctr"/>
-          <a:lstStyle/>
-          <a:p>
-            <a:pPr algn="ctr"/>
-          </a:p>
-        </p:txBody>
-      </p:sp>
-      <p:sp>
-        <p:nvSpPr>
-          <p:cNvPr id="53" name="TextBox 52"/>
-          <p:cNvSpPr txBox="1"/>
-          <p:nvPr/>
-        </p:nvSpPr>
-        <p:spPr>
-          <a:xfrm>
-            <a:off x="7726680" y="5394960"/>
-            <a:ext cx="1188720" cy="274320"/>
-          </a:xfrm>
-          <a:prstGeom prst="rect">
-            <a:avLst/>
-          </a:prstGeom>
-          <a:noFill/>
-        </p:spPr>
-        <p:txBody>
-          <a:bodyPr wrap="square" anchor="ctr">
-            <a:spAutoFit/>
-          </a:bodyPr>
-          <a:lstStyle/>
-          <a:p>
-            <a:pPr algn="ctr">
-              <a:defRPr sz="900" b="1">
-                <a:solidFill>
-                  <a:srgbClr val="FFFFFF"/>
-                </a:solidFill>
-                <a:latin typeface="Meiryo"/>
-              </a:defRPr>
-            </a:pPr>
-            <a:r>
-              <a:t>OpenAI</a:t>
-            </a:r>
-          </a:p>
-        </p:txBody>
-      </p:sp>
-      <p:sp>
-        <p:nvSpPr>
-          <p:cNvPr id="54" name="Rounded Rectangle 53"/>
-          <p:cNvSpPr/>
-          <p:nvPr/>
-        </p:nvSpPr>
-        <p:spPr>
-          <a:xfrm>
-            <a:off x="9006840" y="5394960"/>
-            <a:ext cx="1188720" cy="274320"/>
-          </a:xfrm>
-          <a:prstGeom prst="roundRect">
-            <a:avLst/>
-          </a:prstGeom>
-          <a:solidFill>
-            <a:srgbClr val="6C757D"/>
-          </a:solidFill>
-          <a:ln>
-            <a:noFill/>
-          </a:ln>
-        </p:spPr>
-        <p:style>
-          <a:lnRef idx="1">
-            <a:schemeClr val="accent1"/>
-          </a:lnRef>
-          <a:fillRef idx="3">
-            <a:schemeClr val="accent1"/>
-          </a:fillRef>
-          <a:effectRef idx="2">
-            <a:schemeClr val="accent1"/>
-          </a:effectRef>
-          <a:fontRef idx="minor">
-            <a:schemeClr val="lt1"/>
-          </a:fontRef>
-        </p:style>
-        <p:txBody>
-          <a:bodyPr rtlCol="0" anchor="ctr"/>
-          <a:lstStyle/>
-          <a:p>
-            <a:pPr algn="ctr"/>
-          </a:p>
-        </p:txBody>
-      </p:sp>
-      <p:sp>
-        <p:nvSpPr>
-          <p:cNvPr id="55" name="TextBox 54"/>
-          <p:cNvSpPr txBox="1"/>
-          <p:nvPr/>
-        </p:nvSpPr>
-        <p:spPr>
-          <a:xfrm>
-            <a:off x="9006840" y="5394960"/>
-            <a:ext cx="1188720" cy="274320"/>
-          </a:xfrm>
-          <a:prstGeom prst="rect">
-            <a:avLst/>
-          </a:prstGeom>
-          <a:noFill/>
-        </p:spPr>
-        <p:txBody>
-          <a:bodyPr wrap="square" anchor="ctr">
-            <a:spAutoFit/>
-          </a:bodyPr>
-          <a:lstStyle/>
-          <a:p>
-            <a:pPr algn="ctr">
-              <a:defRPr sz="900" b="1">
-                <a:solidFill>
-                  <a:srgbClr val="FFFFFF"/>
-                </a:solidFill>
-                <a:latin typeface="Meiryo"/>
-              </a:defRPr>
-            </a:pPr>
-            <a:r>
-              <a:t>Google DeepMind</a:t>
-            </a:r>
-          </a:p>
-        </p:txBody>
-      </p:sp>
-      <p:sp>
-        <p:nvSpPr>
-          <p:cNvPr id="56" name="Rounded Rectangle 55"/>
-          <p:cNvSpPr/>
-          <p:nvPr/>
-        </p:nvSpPr>
-        <p:spPr>
-          <a:xfrm>
-            <a:off x="10287000" y="5394960"/>
-            <a:ext cx="1188720" cy="274320"/>
-          </a:xfrm>
-          <a:prstGeom prst="roundRect">
-            <a:avLst/>
-          </a:prstGeom>
-          <a:solidFill>
-            <a:srgbClr val="6C757D"/>
-          </a:solidFill>
-          <a:ln>
-            <a:noFill/>
-          </a:ln>
-        </p:spPr>
-        <p:style>
-          <a:lnRef idx="1">
-            <a:schemeClr val="accent1"/>
-          </a:lnRef>
-          <a:fillRef idx="3">
-            <a:schemeClr val="accent1"/>
-          </a:fillRef>
-          <a:effectRef idx="2">
-            <a:schemeClr val="accent1"/>
-          </a:effectRef>
-          <a:fontRef idx="minor">
-            <a:schemeClr val="lt1"/>
-          </a:fontRef>
-        </p:style>
-        <p:txBody>
-          <a:bodyPr rtlCol="0" anchor="ctr"/>
-          <a:lstStyle/>
-          <a:p>
-            <a:pPr algn="ctr"/>
-          </a:p>
-        </p:txBody>
-      </p:sp>
-      <p:sp>
-        <p:nvSpPr>
-          <p:cNvPr id="57" name="TextBox 56"/>
-          <p:cNvSpPr txBox="1"/>
-          <p:nvPr/>
-        </p:nvSpPr>
-        <p:spPr>
-          <a:xfrm>
-            <a:off x="10287000" y="5394960"/>
-            <a:ext cx="1188720" cy="274320"/>
-          </a:xfrm>
-          <a:prstGeom prst="rect">
-            <a:avLst/>
-          </a:prstGeom>
-          <a:noFill/>
-        </p:spPr>
-        <p:txBody>
-          <a:bodyPr wrap="square" anchor="ctr">
-            <a:spAutoFit/>
-          </a:bodyPr>
-          <a:lstStyle/>
-          <a:p>
-            <a:pPr algn="ctr">
-              <a:defRPr sz="900" b="1">
-                <a:solidFill>
-                  <a:srgbClr val="FFFFFF"/>
-                </a:solidFill>
-                <a:latin typeface="Meiryo"/>
-              </a:defRPr>
-            </a:pPr>
-            <a:r>
-              <a:t>California AI Safety Board</a:t>
-            </a:r>
-          </a:p>
-        </p:txBody>
-      </p:sp>
-      <p:sp>
-        <p:nvSpPr>
-          <p:cNvPr id="58" name="Right Arrow 57"/>
+              <a:t>Meta</a:t>
+            </a:r>
+          </a:p>
+        </p:txBody>
+      </p:sp>
+      <p:sp>
+        <p:nvSpPr>
+          <p:cNvPr id="43" name="Right Arrow 42"/>
           <p:cNvSpPr/>
           <p:nvPr/>
         </p:nvSpPr>
@@ -12634,50 +11995,7 @@
       </p:sp>
       <p:sp>
         <p:nvSpPr>
-          <p:cNvPr id="59" name="Right Arrow 58"/>
-          <p:cNvSpPr/>
-          <p:nvPr/>
-        </p:nvSpPr>
-        <p:spPr>
-          <a:xfrm>
-            <a:off x="5760720" y="4526280"/>
-            <a:ext cx="457200" cy="274320"/>
-          </a:xfrm>
-          <a:prstGeom prst="rightArrow">
-            <a:avLst/>
-          </a:prstGeom>
-          <a:solidFill>
-            <a:srgbClr val="FF961C"/>
-          </a:solidFill>
-          <a:ln>
-            <a:noFill/>
-          </a:ln>
-        </p:spPr>
-        <p:style>
-          <a:lnRef idx="1">
-            <a:schemeClr val="accent1"/>
-          </a:lnRef>
-          <a:fillRef idx="3">
-            <a:schemeClr val="accent1"/>
-          </a:fillRef>
-          <a:effectRef idx="2">
-            <a:schemeClr val="accent1"/>
-          </a:effectRef>
-          <a:fontRef idx="minor">
-            <a:schemeClr val="lt1"/>
-          </a:fontRef>
-        </p:style>
-        <p:txBody>
-          <a:bodyPr rtlCol="0" anchor="ctr"/>
-          <a:lstStyle/>
-          <a:p>
-            <a:pPr algn="ctr"/>
-          </a:p>
-        </p:txBody>
-      </p:sp>
-      <p:sp>
-        <p:nvSpPr>
-          <p:cNvPr id="60" name="Down Arrow 59"/>
+          <p:cNvPr id="44" name="Down Arrow 43"/>
           <p:cNvSpPr/>
           <p:nvPr/>
         </p:nvSpPr>
@@ -12952,7 +12270,7 @@
             <a:avLst/>
           </a:prstGeom>
           <a:solidFill>
-            <a:srgbClr val="6C757D"/>
+            <a:srgbClr val="10A37F"/>
           </a:solidFill>
           <a:ln>
             <a:noFill/>
@@ -12995,7 +12313,7 @@
             <a:avLst/>
           </a:prstGeom>
           <a:solidFill>
-            <a:srgbClr val="6C757D"/>
+            <a:srgbClr val="10A37F"/>
           </a:solidFill>
           <a:ln>
             <a:noFill/>
@@ -13117,7 +12435,7 @@
             <a:avLst/>
           </a:prstGeom>
           <a:solidFill>
-            <a:srgbClr val="6C757D"/>
+            <a:srgbClr val="10A37F"/>
           </a:solidFill>
           <a:ln>
             <a:noFill/>
@@ -13176,7 +12494,7 @@
               </a:defRPr>
             </a:pPr>
             <a:r>
-              <a:t>[UPDATE] Hyperwrite CEO Matt Shumer、『AI能力爆発』についての5,000語エッセイが5,600万ビュー達成─『何か大きい事が起こっている』とウイルス拡散</a:t>
+              <a:t>[UPDATE] AI安全性研究者の相次ぐ辞職が業界を揺るがす　OpenAI安全研究チーム解体報道、Anthropic責任者が『世界は危機的状況』と公開辞表</a:t>
             </a:r>
           </a:p>
         </p:txBody>
@@ -13212,7 +12530,7 @@
               </a:defRPr>
             </a:pPr>
             <a:r>
-              <a:t>&gt;&gt; 前日『安全性警告の業界波及』と関連し、Shumerのエッセイが『ウイルス級拡散』（5,600万ビュー）を達成した新展開。『技術者警告の社会化』により、『規制当局への政策圧力』が『政治化』される段階へ移行。</a:t>
+              <a:t>&gt;&gt; 前日は『AI安全性警告の一般的トレンド』の報道だったが、本日は Anthropic責任者の具体的な辞職・OpenAI安全チーム解体の具体的報道により、事態がより深刻化。Matt Shumerの『パンデミック前夜』比較が大規模拡散（36時間で5600万ビュー）し、業界内の危機感が『個別事象』から『業界全体の構造的問題』に認識転換。</a:t>
             </a:r>
           </a:p>
         </p:txBody>
@@ -13248,7 +12566,7 @@
               </a:defRPr>
             </a:pPr>
             <a:r>
-              <a:t>Hyperwrite CEO Matt Shumerが『Something Big Is Happening』と題するエッセイをX上で公表。内容は『AI技術者が過去6ヶ月で目撃した能力向上は、COVID-19の流行前夜（2020年2月）と同様の『転機』であり、その影響度はCOVI...</a:t>
+              <a:t>AI業界で安全性研究を担当する責任者・研究者の辞職が相次ぎ、業界内に危機感が広がっている。Anthropicの『Safeguards Research 責任者』が『世界は危機的状況にある』と述べて辞表。OpenAI研究者Hieu Phamが『AI存在的脅威を初めて実感』とX投稿。...</a:t>
             </a:r>
           </a:p>
         </p:txBody>
@@ -13365,7 +12683,7 @@
               </a:defRPr>
             </a:pPr>
             <a:r>
-              <a:t>Matt Shumerのエッセイが『5,600万ビュー』を達成したことで、『AI技術者による警告』が『社会的認識』レベルへ昇華。これにより、『政策決定者・規制当局・労組』等が『AI失業問題』への介入を加速させる見通し。米国労働省による『AI失業予測』、EU『AI Act高リスク規則』の『加速的実装』、労働組合による『AI導入に対する交渉要求』等が2026年中に集中する可能性。結果として、『AI開発...</a:t>
+              <a:t>①規制当局への圧力増加（EU AI法の強化、米国でのAI規制提言に影響）、②投資家心理の悪化（ESG評価低下）、③人材流出の連鎖（大学での『AI安全』研究プログラム卒業生のシンクタンク・政策立案側への流出加速）。Anthropicが2000万ドルを AI安全規制推進団体『Public First Action』に寄付したのも、自社リスク管理の『ポーズ』との批判も出ている。</a:t>
             </a:r>
           </a:p>
         </p:txBody>
@@ -13401,7 +12719,7 @@
               </a:defRPr>
             </a:pPr>
             <a:r>
-              <a:t>Other  |  Business  |  Business Insider</a:t>
+              <a:t>OpenAI  |  Policy  |  Axios</a:t>
             </a:r>
           </a:p>
         </p:txBody>
@@ -13464,7 +12782,7 @@
             <a:avLst/>
           </a:prstGeom>
           <a:solidFill>
-            <a:srgbClr val="D4A574"/>
+            <a:srgbClr val="4285F4"/>
           </a:solidFill>
           <a:ln>
             <a:noFill/>
@@ -13507,7 +12825,7 @@
             <a:avLst/>
           </a:prstGeom>
           <a:solidFill>
-            <a:srgbClr val="D4A574"/>
+            <a:srgbClr val="4285F4"/>
           </a:solidFill>
           <a:ln>
             <a:noFill/>
@@ -13566,7 +12884,7 @@
               </a:defRPr>
             </a:pPr>
             <a:r>
-              <a:t>4</a:t>
+              <a:t>5</a:t>
             </a:r>
           </a:p>
         </p:txBody>
@@ -13623,13 +12941,13 @@
         <p:spPr>
           <a:xfrm>
             <a:off x="1234440" y="3035808"/>
-            <a:ext cx="1463040" cy="109728"/>
+            <a:ext cx="1828800" cy="109728"/>
           </a:xfrm>
           <a:prstGeom prst="roundRect">
             <a:avLst/>
           </a:prstGeom>
           <a:solidFill>
-            <a:srgbClr val="D4A574"/>
+            <a:srgbClr val="4285F4"/>
           </a:solidFill>
           <a:ln>
             <a:noFill/>
@@ -13688,7 +13006,7 @@
               </a:defRPr>
             </a:pPr>
             <a:r>
-              <a:t>Anthropic、Super Bowl広告『広告排除メッセージ』によりClaudeユーザー11%増加─OpenAI広告導入への消費者反発が数値化</a:t>
+              <a:t>[UPDATE] Big Tech 4社（Microsoft・Google・Amazon・Meta）が2026年650-700億ドルのAI投資計画　前年比60%増加、電力グリッド危機が顕在化</a:t>
             </a:r>
           </a:p>
         </p:txBody>
@@ -13701,8 +13019,8 @@
         </p:nvSpPr>
         <p:spPr>
           <a:xfrm>
-            <a:off x="731520" y="3246120"/>
-            <a:ext cx="6675120" cy="731520"/>
+            <a:off x="1234440" y="3090672"/>
+            <a:ext cx="8229600" cy="182880"/>
           </a:xfrm>
           <a:prstGeom prst="rect">
             <a:avLst/>
@@ -13716,22 +13034,58 @@
           <a:lstStyle/>
           <a:p>
             <a:pPr algn="l">
-              <a:defRPr sz="1100" b="0">
-                <a:solidFill>
-                  <a:srgbClr val="1A1A2E"/>
+              <a:defRPr sz="1000" b="1">
+                <a:solidFill>
+                  <a:srgbClr val="FF961C"/>
                 </a:solidFill>
                 <a:latin typeface="Meiryo"/>
               </a:defRPr>
             </a:pPr>
             <a:r>
-              <a:t>AnthropicのSuper Bowl広告キャンペーンが、Claude利用者に顕著な増加をもたらした。BNP Paribas分析データによると、広告放映後にClaudeのウェブサイト訪問者数が6.5%増加し、日別アクティブユーザーが11%増加。これはOpenAI ChatGPT...</a:t>
-            </a:r>
-          </a:p>
-        </p:txBody>
-      </p:sp>
-      <p:sp>
-        <p:nvSpPr>
-          <p:cNvPr id="27" name="Rounded Rectangle 26"/>
+              <a:t>&gt;&gt; 前日の『2026年650-700億ドルAI投資』に続き、本日はAmazonの200億ドル Capex公表により一層の詳細数字が確定。同時にキャッシュフロー悪化のより詳細な分析（Amazon -170～-280B、Google -90% CF減少、Meta -90% CF減少）が新規報道され、『投資の収益化モデル不透明性』が深刻化した認識が確立。</a:t>
+            </a:r>
+          </a:p>
+        </p:txBody>
+      </p:sp>
+      <p:sp>
+        <p:nvSpPr>
+          <p:cNvPr id="27" name="TextBox 26"/>
+          <p:cNvSpPr txBox="1"/>
+          <p:nvPr/>
+        </p:nvSpPr>
+        <p:spPr>
+          <a:xfrm>
+            <a:off x="731520" y="3291840"/>
+            <a:ext cx="6675120" cy="731520"/>
+          </a:xfrm>
+          <a:prstGeom prst="rect">
+            <a:avLst/>
+          </a:prstGeom>
+          <a:noFill/>
+        </p:spPr>
+        <p:txBody>
+          <a:bodyPr wrap="square">
+            <a:spAutoFit/>
+          </a:bodyPr>
+          <a:lstStyle/>
+          <a:p>
+            <a:pPr algn="l">
+              <a:defRPr sz="1100" b="0">
+                <a:solidFill>
+                  <a:srgbClr val="1A1A2E"/>
+                </a:solidFill>
+                <a:latin typeface="Meiryo"/>
+              </a:defRPr>
+            </a:pPr>
+            <a:r>
+              <a:t>Big Tech 4社（Microsoft・Google・Amazon・Meta）が2026年の資本支出を合計650-700億ドルに設定する見通しが明らかになった。前年2025年の410億ドルから60%増加。Amazon単独で200億ドル（前年比50%増）を公表。Google は...</a:t>
+            </a:r>
+          </a:p>
+        </p:txBody>
+      </p:sp>
+      <p:sp>
+        <p:nvSpPr>
+          <p:cNvPr id="28" name="Rounded Rectangle 27"/>
           <p:cNvSpPr/>
           <p:nvPr/>
         </p:nvSpPr>
@@ -13776,7 +13130,7 @@
       </p:sp>
       <p:sp>
         <p:nvSpPr>
-          <p:cNvPr id="28" name="TextBox 27"/>
+          <p:cNvPr id="29" name="TextBox 28"/>
           <p:cNvSpPr txBox="1"/>
           <p:nvPr/>
         </p:nvSpPr>
@@ -13812,7 +13166,7 @@
       </p:sp>
       <p:sp>
         <p:nvSpPr>
-          <p:cNvPr id="29" name="TextBox 28"/>
+          <p:cNvPr id="30" name="TextBox 29"/>
           <p:cNvSpPr txBox="1"/>
           <p:nvPr/>
         </p:nvSpPr>
@@ -13841,14 +13195,14 @@
               </a:defRPr>
             </a:pPr>
             <a:r>
-              <a:t>この広告戦争は、AIチャットボット市場における『マネタイズ手段の多様化』を加速させる。OpenAIが『広告』を選択した背景には『訂正不可能な計算コスト構造』があり、今後の『業界全体への広告導入圧力』を生む。一方、Anthropicが『広告排除』を維持できるのは『年間売上$14Bの高利益率』により、クライアント数ではなく『単価』で利益を確保する戦略による。これにより、『エンタープライズAI市場』と『...</a:t>
-            </a:r>
-          </a:p>
-        </p:txBody>
-      </p:sp>
-      <p:sp>
-        <p:nvSpPr>
-          <p:cNvPr id="30" name="TextBox 29"/>
+              <a:t>①全米電力需要が2026年に前年比12-15%増加。特にテキサス・ノースカロライナ・インディアナ等のデータセンター集約地域でグリッド容量不足が顕在化、②Amazon 2026年キャッシュフロー赤字化による『借金依存度増加』。2026年末までに社債追加発行200-300億ドルが必須（株価下降圧力）、③GPU価格の『逆転傾向』。供給不足⇒高騰⇒過剰投資⇒供給過剰⇒暴落 のサイクルが2026年中盤に転換...</a:t>
+            </a:r>
+          </a:p>
+        </p:txBody>
+      </p:sp>
+      <p:sp>
+        <p:nvSpPr>
+          <p:cNvPr id="31" name="TextBox 30"/>
           <p:cNvSpPr txBox="1"/>
           <p:nvPr/>
         </p:nvSpPr>
@@ -13877,14 +13231,14 @@
               </a:defRPr>
             </a:pPr>
             <a:r>
-              <a:t>Anthropic  |  Business  |  CNBC</a:t>
-            </a:r>
-          </a:p>
-        </p:txBody>
-      </p:sp>
-      <p:sp>
-        <p:nvSpPr>
-          <p:cNvPr id="31" name="Rectangle 30"/>
+              <a:t>Google  |  Infrastructure  |  CNBC</a:t>
+            </a:r>
+          </a:p>
+        </p:txBody>
+      </p:sp>
+      <p:sp>
+        <p:nvSpPr>
+          <p:cNvPr id="32" name="Rectangle 31"/>
           <p:cNvSpPr/>
           <p:nvPr/>
         </p:nvSpPr>
@@ -13927,7 +13281,7 @@
       </p:sp>
       <p:sp>
         <p:nvSpPr>
-          <p:cNvPr id="32" name="Rectangle 31"/>
+          <p:cNvPr id="33" name="Rectangle 32"/>
           <p:cNvSpPr/>
           <p:nvPr/>
         </p:nvSpPr>
@@ -13940,7 +13294,7 @@
             <a:avLst/>
           </a:prstGeom>
           <a:solidFill>
-            <a:srgbClr val="10A37F"/>
+            <a:srgbClr val="6C757D"/>
           </a:solidFill>
           <a:ln>
             <a:noFill/>
@@ -13970,7 +13324,7 @@
       </p:sp>
       <p:sp>
         <p:nvSpPr>
-          <p:cNvPr id="33" name="Oval 32"/>
+          <p:cNvPr id="34" name="Oval 33"/>
           <p:cNvSpPr/>
           <p:nvPr/>
         </p:nvSpPr>
@@ -13983,7 +13337,7 @@
             <a:avLst/>
           </a:prstGeom>
           <a:solidFill>
-            <a:srgbClr val="10A37F"/>
+            <a:srgbClr val="6C757D"/>
           </a:solidFill>
           <a:ln>
             <a:noFill/>
@@ -14013,7 +13367,7 @@
       </p:sp>
       <p:sp>
         <p:nvSpPr>
-          <p:cNvPr id="34" name="TextBox 33"/>
+          <p:cNvPr id="35" name="TextBox 34"/>
           <p:cNvSpPr txBox="1"/>
           <p:nvPr/>
         </p:nvSpPr>
@@ -14049,7 +13403,7 @@
       </p:sp>
       <p:sp>
         <p:nvSpPr>
-          <p:cNvPr id="35" name="Rounded Rectangle 34"/>
+          <p:cNvPr id="36" name="Rounded Rectangle 35"/>
           <p:cNvSpPr/>
           <p:nvPr/>
         </p:nvSpPr>
@@ -14092,7 +13446,7 @@
       </p:sp>
       <p:sp>
         <p:nvSpPr>
-          <p:cNvPr id="36" name="Rounded Rectangle 35"/>
+          <p:cNvPr id="37" name="Rounded Rectangle 36"/>
           <p:cNvSpPr/>
           <p:nvPr/>
         </p:nvSpPr>
@@ -14105,7 +13459,7 @@
             <a:avLst/>
           </a:prstGeom>
           <a:solidFill>
-            <a:srgbClr val="10A37F"/>
+            <a:srgbClr val="6C757D"/>
           </a:solidFill>
           <a:ln>
             <a:noFill/>
@@ -14135,7 +13489,7 @@
       </p:sp>
       <p:sp>
         <p:nvSpPr>
-          <p:cNvPr id="37" name="TextBox 36"/>
+          <p:cNvPr id="38" name="TextBox 37"/>
           <p:cNvSpPr txBox="1"/>
           <p:nvPr/>
         </p:nvSpPr>
@@ -14164,14 +13518,14 @@
               </a:defRPr>
             </a:pPr>
             <a:r>
-              <a:t>OpenAI CEO Sam Altman、ChatGPT『月間10%成長回復』を従業員向けに宣言─Codex競争で『週間50%成長』達成</a:t>
-            </a:r>
-          </a:p>
-        </p:txBody>
-      </p:sp>
-      <p:sp>
-        <p:nvSpPr>
-          <p:cNvPr id="38" name="TextBox 37"/>
+              <a:t>Cohere、2026年の年間売上240億ドルを達成　IPO準備加速、Anthropic・OpenAI・xAIと競合ポジション激化</a:t>
+            </a:r>
+          </a:p>
+        </p:txBody>
+      </p:sp>
+      <p:sp>
+        <p:nvSpPr>
+          <p:cNvPr id="39" name="TextBox 38"/>
           <p:cNvSpPr txBox="1"/>
           <p:nvPr/>
         </p:nvSpPr>
@@ -14200,14 +13554,14 @@
               </a:defRPr>
             </a:pPr>
             <a:r>
-              <a:t>OpenAI CEO Sam Altmanが従業員向けの内部通信（Slack）で、ChatGPT月間成長率が『10%超に回復』したと公表。これは2025年12月の『コード赤』宣言による大規模リソース再配置が奏功したことを示唆。同時にCodex（AIコーディングツール）の週間成長率...</a:t>
-            </a:r>
-          </a:p>
-        </p:txBody>
-      </p:sp>
-      <p:sp>
-        <p:nvSpPr>
-          <p:cNvPr id="39" name="Rounded Rectangle 38"/>
+              <a:t>カナダのAIスタートアップ Cohereが2026年の年間売上を240億ドル達成する見通しを公表。企業向けAIの『軽量モデル』市場で独自ポジション構築。Cohere の Command family モデルは NVIDIA・AMD等の『制限されたGPU』でも実行可能な効率性を実現...</a:t>
+            </a:r>
+          </a:p>
+        </p:txBody>
+      </p:sp>
+      <p:sp>
+        <p:nvSpPr>
+          <p:cNvPr id="40" name="Rounded Rectangle 39"/>
           <p:cNvSpPr/>
           <p:nvPr/>
         </p:nvSpPr>
@@ -14252,7 +13606,7 @@
       </p:sp>
       <p:sp>
         <p:nvSpPr>
-          <p:cNvPr id="40" name="TextBox 39"/>
+          <p:cNvPr id="41" name="TextBox 40"/>
           <p:cNvSpPr txBox="1"/>
           <p:nvPr/>
         </p:nvSpPr>
@@ -14288,7 +13642,7 @@
       </p:sp>
       <p:sp>
         <p:nvSpPr>
-          <p:cNvPr id="41" name="TextBox 40"/>
+          <p:cNvPr id="42" name="TextBox 41"/>
           <p:cNvSpPr txBox="1"/>
           <p:nvPr/>
         </p:nvSpPr>
@@ -14317,14 +13671,14 @@
               </a:defRPr>
             </a:pPr>
             <a:r>
-              <a:t>ChatGPT成長回復は、『OpenAI衰退説』を払拭し、資金調達$100B達成の『根拠』として機能。一方、Codexの『50%成長』はエンタープライズソフトウェア市場での『AI開発支援ツール』の需要爆発を示唆し、Microsoft（Copilot親会社）を含む『AI統合開発環境』市場の形成を加速。ただし、『月間10%成長』は『2025年12月時点での停滞』（0～マイナス成長か）からの回復であり、...</a:t>
-            </a:r>
-          </a:p>
-        </p:txBody>
-      </p:sp>
-      <p:sp>
-        <p:nvSpPr>
-          <p:cNvPr id="42" name="TextBox 41"/>
+              <a:t>中堅企業（従業員100-5000社）のAI導入が急加速。従来は『AI導入 = 大企業の特権』だったが、Cohereの低コストモデルにより民主化。SaaS・ウェブサービス企業の『自社プロダクト + AI統合』が容易化。一方、Anthropic・OpenAIの『高精度 = 高価格』戦略との『市場分断』が加速。</a:t>
+            </a:r>
+          </a:p>
+        </p:txBody>
+      </p:sp>
+      <p:sp>
+        <p:nvSpPr>
+          <p:cNvPr id="43" name="TextBox 42"/>
           <p:cNvSpPr txBox="1"/>
           <p:nvPr/>
         </p:nvSpPr>
@@ -14353,7 +13707,7 @@
               </a:defRPr>
             </a:pPr>
             <a:r>
-              <a:t>OpenAI  |  Business  |  CNBC</a:t>
+              <a:t>Other  |  Business  |  CNBC</a:t>
             </a:r>
           </a:p>
         </p:txBody>
@@ -14816,7 +14170,7 @@
               </a:defRPr>
             </a:pPr>
             <a:r>
-              <a:t>中国AI企業が春節『モデルラッシュ』展開─DeepSeek V4予告に対し、ByteDance・Alibaba・Zhipuが連鎖的リリース</a:t>
+              <a:t>xAI、社内カンファレンスで『惑星間AI計算野心』を公開　Grok・Imagine Video・Macrohard プロジェクトの新組織体制</a:t>
             </a:r>
           </a:p>
         </p:txBody>
@@ -14852,7 +14206,7 @@
               </a:defRPr>
             </a:pPr>
             <a:r>
-              <a:t>中国企業が春節前（2026年2月16日開始）に『AI新モデル一斉リリース』を展開。DeepSeekがV4（次世代汎用モデル）とR2（推論特化モデル）の発表を予告する中、ByteDanceが『Doubao 2.0』『Seedance 2.0動画生成モデル』を、AlibabaがQwe...</a:t>
+              <a:t>Elon Muskが xAI の社内カンファレンス（All-Hands Meeting）で公式に『Interplanetary AI Computing Vision』を発表。xAI 内を4つのチームに再編成：①Grok Chatbot &amp; Voice、②Coding Syste...</a:t>
             </a:r>
           </a:p>
         </p:txBody>
@@ -14969,7 +14323,7 @@
               </a:defRPr>
             </a:pPr>
             <a:r>
-              <a:t>中国企業の『春節モデルラッシュ』は、『米国＋中国』の『二極AI世界』確立を加速。結果として、『API仕様の互換性喪失』『学習データセットの地域分割』『規制フレームワークの二重化』が進行し、『グローバルAI標準化』の道は閉ざされる見通し。これにより、『多国籍企業のAI導入』は『地域別カスタマイズ』を強いられ、『開発コスト増加』『導入期間延伸』が避けられない。同時に、『東南アジア・アフリカ・ラテンアメ...</a:t>
+              <a:t>①xAI のビジネスモデルが『単一モデル販売』から『統合プラットフォーム』へシフト、②SpaceX との統合が『宇宙・地上ハイブリッド計算』を実現する場合、AI コスト構造が根本的に変化（地上データセンターの『廃止可能性』），③Twitter との統合を活用した『Grok を介した企業データ収集』が本格化（プライバシーリスク）。</a:t>
             </a:r>
           </a:p>
         </p:txBody>
@@ -15005,483 +14359,7 @@
               </a:defRPr>
             </a:pPr>
             <a:r>
-              <a:t>Other  |  Business  |  Reuters</a:t>
-            </a:r>
-          </a:p>
-        </p:txBody>
-      </p:sp>
-      <p:sp>
-        <p:nvSpPr>
-          <p:cNvPr id="18" name="Rectangle 17"/>
-          <p:cNvSpPr/>
-          <p:nvPr/>
-        </p:nvSpPr>
-        <p:spPr>
-          <a:xfrm>
-            <a:off x="548640" y="2743200"/>
-            <a:ext cx="11094415" cy="1645920"/>
-          </a:xfrm>
-          <a:prstGeom prst="rect">
-            <a:avLst/>
-          </a:prstGeom>
-          <a:solidFill>
-            <a:srgbClr val="E8F1F8"/>
-          </a:solidFill>
-          <a:ln>
-            <a:noFill/>
-          </a:ln>
-        </p:spPr>
-        <p:style>
-          <a:lnRef idx="1">
-            <a:schemeClr val="accent1"/>
-          </a:lnRef>
-          <a:fillRef idx="3">
-            <a:schemeClr val="accent1"/>
-          </a:fillRef>
-          <a:effectRef idx="2">
-            <a:schemeClr val="accent1"/>
-          </a:effectRef>
-          <a:fontRef idx="minor">
-            <a:schemeClr val="lt1"/>
-          </a:fontRef>
-        </p:style>
-        <p:txBody>
-          <a:bodyPr rtlCol="0" anchor="ctr"/>
-          <a:lstStyle/>
-          <a:p>
-            <a:pPr algn="ctr"/>
-          </a:p>
-        </p:txBody>
-      </p:sp>
-      <p:sp>
-        <p:nvSpPr>
-          <p:cNvPr id="19" name="Rectangle 18"/>
-          <p:cNvSpPr/>
-          <p:nvPr/>
-        </p:nvSpPr>
-        <p:spPr>
-          <a:xfrm>
-            <a:off x="548640" y="2743200"/>
-            <a:ext cx="54864" cy="1645920"/>
-          </a:xfrm>
-          <a:prstGeom prst="rect">
-            <a:avLst/>
-          </a:prstGeom>
-          <a:solidFill>
-            <a:srgbClr val="6C757D"/>
-          </a:solidFill>
-          <a:ln>
-            <a:noFill/>
-          </a:ln>
-        </p:spPr>
-        <p:style>
-          <a:lnRef idx="1">
-            <a:schemeClr val="accent1"/>
-          </a:lnRef>
-          <a:fillRef idx="3">
-            <a:schemeClr val="accent1"/>
-          </a:fillRef>
-          <a:effectRef idx="2">
-            <a:schemeClr val="accent1"/>
-          </a:effectRef>
-          <a:fontRef idx="minor">
-            <a:schemeClr val="lt1"/>
-          </a:fontRef>
-        </p:style>
-        <p:txBody>
-          <a:bodyPr rtlCol="0" anchor="ctr"/>
-          <a:lstStyle/>
-          <a:p>
-            <a:pPr algn="ctr"/>
-          </a:p>
-        </p:txBody>
-      </p:sp>
-      <p:sp>
-        <p:nvSpPr>
-          <p:cNvPr id="20" name="Oval 19"/>
-          <p:cNvSpPr/>
-          <p:nvPr/>
-        </p:nvSpPr>
-        <p:spPr>
-          <a:xfrm>
-            <a:off x="685800" y="2880360"/>
-            <a:ext cx="457200" cy="457200"/>
-          </a:xfrm>
-          <a:prstGeom prst="ellipse">
-            <a:avLst/>
-          </a:prstGeom>
-          <a:solidFill>
-            <a:srgbClr val="6C757D"/>
-          </a:solidFill>
-          <a:ln>
-            <a:noFill/>
-          </a:ln>
-        </p:spPr>
-        <p:style>
-          <a:lnRef idx="1">
-            <a:schemeClr val="accent1"/>
-          </a:lnRef>
-          <a:fillRef idx="3">
-            <a:schemeClr val="accent1"/>
-          </a:fillRef>
-          <a:effectRef idx="2">
-            <a:schemeClr val="accent1"/>
-          </a:effectRef>
-          <a:fontRef idx="minor">
-            <a:schemeClr val="lt1"/>
-          </a:fontRef>
-        </p:style>
-        <p:txBody>
-          <a:bodyPr rtlCol="0" anchor="ctr"/>
-          <a:lstStyle/>
-          <a:p>
-            <a:pPr algn="ctr"/>
-          </a:p>
-        </p:txBody>
-      </p:sp>
-      <p:sp>
-        <p:nvSpPr>
-          <p:cNvPr id="21" name="TextBox 20"/>
-          <p:cNvSpPr txBox="1"/>
-          <p:nvPr/>
-        </p:nvSpPr>
-        <p:spPr>
-          <a:xfrm>
-            <a:off x="685800" y="2880360"/>
-            <a:ext cx="457200" cy="457200"/>
-          </a:xfrm>
-          <a:prstGeom prst="rect">
-            <a:avLst/>
-          </a:prstGeom>
-          <a:noFill/>
-        </p:spPr>
-        <p:txBody>
-          <a:bodyPr wrap="square" anchor="ctr">
-            <a:spAutoFit/>
-          </a:bodyPr>
-          <a:lstStyle/>
-          <a:p>
-            <a:pPr algn="ctr">
-              <a:defRPr sz="1800" b="1">
-                <a:solidFill>
-                  <a:srgbClr val="FFFFFF"/>
-                </a:solidFill>
-                <a:latin typeface="Meiryo"/>
-              </a:defRPr>
-            </a:pPr>
-            <a:r>
-              <a:t>4</a:t>
-            </a:r>
-          </a:p>
-        </p:txBody>
-      </p:sp>
-      <p:sp>
-        <p:nvSpPr>
-          <p:cNvPr id="22" name="Rounded Rectangle 21"/>
-          <p:cNvSpPr/>
-          <p:nvPr/>
-        </p:nvSpPr>
-        <p:spPr>
-          <a:xfrm>
-            <a:off x="1234440" y="3035808"/>
-            <a:ext cx="1828800" cy="109728"/>
-          </a:xfrm>
-          <a:prstGeom prst="roundRect">
-            <a:avLst/>
-          </a:prstGeom>
-          <a:solidFill>
-            <a:srgbClr val="FFFFFF"/>
-          </a:solidFill>
-          <a:ln>
-            <a:noFill/>
-          </a:ln>
-        </p:spPr>
-        <p:style>
-          <a:lnRef idx="1">
-            <a:schemeClr val="accent1"/>
-          </a:lnRef>
-          <a:fillRef idx="3">
-            <a:schemeClr val="accent1"/>
-          </a:fillRef>
-          <a:effectRef idx="2">
-            <a:schemeClr val="accent1"/>
-          </a:effectRef>
-          <a:fontRef idx="minor">
-            <a:schemeClr val="lt1"/>
-          </a:fontRef>
-        </p:style>
-        <p:txBody>
-          <a:bodyPr rtlCol="0" anchor="ctr"/>
-          <a:lstStyle/>
-          <a:p>
-            <a:pPr algn="ctr"/>
-          </a:p>
-        </p:txBody>
-      </p:sp>
-      <p:sp>
-        <p:nvSpPr>
-          <p:cNvPr id="23" name="Rounded Rectangle 22"/>
-          <p:cNvSpPr/>
-          <p:nvPr/>
-        </p:nvSpPr>
-        <p:spPr>
-          <a:xfrm>
-            <a:off x="1234440" y="3035808"/>
-            <a:ext cx="1463040" cy="109728"/>
-          </a:xfrm>
-          <a:prstGeom prst="roundRect">
-            <a:avLst/>
-          </a:prstGeom>
-          <a:solidFill>
-            <a:srgbClr val="6C757D"/>
-          </a:solidFill>
-          <a:ln>
-            <a:noFill/>
-          </a:ln>
-        </p:spPr>
-        <p:style>
-          <a:lnRef idx="1">
-            <a:schemeClr val="accent1"/>
-          </a:lnRef>
-          <a:fillRef idx="3">
-            <a:schemeClr val="accent1"/>
-          </a:fillRef>
-          <a:effectRef idx="2">
-            <a:schemeClr val="accent1"/>
-          </a:effectRef>
-          <a:fontRef idx="minor">
-            <a:schemeClr val="lt1"/>
-          </a:fontRef>
-        </p:style>
-        <p:txBody>
-          <a:bodyPr rtlCol="0" anchor="ctr"/>
-          <a:lstStyle/>
-          <a:p>
-            <a:pPr algn="ctr"/>
-          </a:p>
-        </p:txBody>
-      </p:sp>
-      <p:sp>
-        <p:nvSpPr>
-          <p:cNvPr id="24" name="TextBox 23"/>
-          <p:cNvSpPr txBox="1"/>
-          <p:nvPr/>
-        </p:nvSpPr>
-        <p:spPr>
-          <a:xfrm>
-            <a:off x="1234440" y="2816352"/>
-            <a:ext cx="8229600" cy="274320"/>
-          </a:xfrm>
-          <a:prstGeom prst="rect">
-            <a:avLst/>
-          </a:prstGeom>
-          <a:noFill/>
-        </p:spPr>
-        <p:txBody>
-          <a:bodyPr wrap="square">
-            <a:spAutoFit/>
-          </a:bodyPr>
-          <a:lstStyle/>
-          <a:p>
-            <a:pPr algn="l">
-              <a:defRPr sz="1500" b="1">
-                <a:solidFill>
-                  <a:srgbClr val="1A1A2E"/>
-                </a:solidFill>
-                <a:latin typeface="Meiryo"/>
-              </a:defRPr>
-            </a:pPr>
-            <a:r>
-              <a:t>グローバルデータセンター電力消費が2030年に945TWh到達予測─AI業界の年間$650-690B投資で電力網危機が顕在化</a:t>
-            </a:r>
-          </a:p>
-        </p:txBody>
-      </p:sp>
-      <p:sp>
-        <p:nvSpPr>
-          <p:cNvPr id="25" name="TextBox 24"/>
-          <p:cNvSpPr txBox="1"/>
-          <p:nvPr/>
-        </p:nvSpPr>
-        <p:spPr>
-          <a:xfrm>
-            <a:off x="731520" y="3246120"/>
-            <a:ext cx="6675120" cy="731520"/>
-          </a:xfrm>
-          <a:prstGeom prst="rect">
-            <a:avLst/>
-          </a:prstGeom>
-          <a:noFill/>
-        </p:spPr>
-        <p:txBody>
-          <a:bodyPr wrap="square">
-            <a:spAutoFit/>
-          </a:bodyPr>
-          <a:lstStyle/>
-          <a:p>
-            <a:pPr algn="l">
-              <a:defRPr sz="1100" b="0">
-                <a:solidFill>
-                  <a:srgbClr val="1A1A2E"/>
-                </a:solidFill>
-                <a:latin typeface="Meiryo"/>
-              </a:defRPr>
-            </a:pPr>
-            <a:r>
-              <a:t>Precedence Research発表のデータセンター電力消費予測により、2030年のグローバルデータセンター電力消費が945TWh（テラワットアワー）に到達すると推定。これは現在の2023年時点での『約2倍』に相当。2035年までにはさらに1,300TWh（世界全電力消費の...</a:t>
-            </a:r>
-          </a:p>
-        </p:txBody>
-      </p:sp>
-      <p:sp>
-        <p:nvSpPr>
-          <p:cNvPr id="26" name="Rounded Rectangle 25"/>
-          <p:cNvSpPr/>
-          <p:nvPr/>
-        </p:nvSpPr>
-        <p:spPr>
-          <a:xfrm>
-            <a:off x="7315200" y="3154680"/>
-            <a:ext cx="4114800" cy="1005840"/>
-          </a:xfrm>
-          <a:prstGeom prst="roundRect">
-            <a:avLst/>
-          </a:prstGeom>
-          <a:solidFill>
-            <a:srgbClr val="E8F1F8"/>
-          </a:solidFill>
-          <a:ln w="12700">
-            <a:solidFill>
-              <a:srgbClr val="5BA4D9"/>
-            </a:solidFill>
-          </a:ln>
-        </p:spPr>
-        <p:style>
-          <a:lnRef idx="1">
-            <a:schemeClr val="accent1"/>
-          </a:lnRef>
-          <a:fillRef idx="3">
-            <a:schemeClr val="accent1"/>
-          </a:fillRef>
-          <a:effectRef idx="2">
-            <a:schemeClr val="accent1"/>
-          </a:effectRef>
-          <a:fontRef idx="minor">
-            <a:schemeClr val="lt1"/>
-          </a:fontRef>
-        </p:style>
-        <p:txBody>
-          <a:bodyPr rtlCol="0" anchor="ctr"/>
-          <a:lstStyle/>
-          <a:p>
-            <a:pPr algn="ctr"/>
-          </a:p>
-        </p:txBody>
-      </p:sp>
-      <p:sp>
-        <p:nvSpPr>
-          <p:cNvPr id="27" name="TextBox 26"/>
-          <p:cNvSpPr txBox="1"/>
-          <p:nvPr/>
-        </p:nvSpPr>
-        <p:spPr>
-          <a:xfrm>
-            <a:off x="7406640" y="3172968"/>
-            <a:ext cx="3931920" cy="182880"/>
-          </a:xfrm>
-          <a:prstGeom prst="rect">
-            <a:avLst/>
-          </a:prstGeom>
-          <a:noFill/>
-        </p:spPr>
-        <p:txBody>
-          <a:bodyPr wrap="square">
-            <a:spAutoFit/>
-          </a:bodyPr>
-          <a:lstStyle/>
-          <a:p>
-            <a:pPr algn="l">
-              <a:defRPr sz="800" b="1">
-                <a:solidFill>
-                  <a:srgbClr val="005BAB"/>
-                </a:solidFill>
-                <a:latin typeface="Meiryo"/>
-              </a:defRPr>
-            </a:pPr>
-            <a:r>
-              <a:t>IMPACT</a:t>
-            </a:r>
-          </a:p>
-        </p:txBody>
-      </p:sp>
-      <p:sp>
-        <p:nvSpPr>
-          <p:cNvPr id="28" name="TextBox 27"/>
-          <p:cNvSpPr txBox="1"/>
-          <p:nvPr/>
-        </p:nvSpPr>
-        <p:spPr>
-          <a:xfrm>
-            <a:off x="7406640" y="3355848"/>
-            <a:ext cx="3931920" cy="731520"/>
-          </a:xfrm>
-          <a:prstGeom prst="rect">
-            <a:avLst/>
-          </a:prstGeom>
-          <a:noFill/>
-        </p:spPr>
-        <p:txBody>
-          <a:bodyPr wrap="square">
-            <a:normAutofit/>
-          </a:bodyPr>
-          <a:lstStyle/>
-          <a:p>
-            <a:pPr algn="l">
-              <a:defRPr sz="900" b="0">
-                <a:solidFill>
-                  <a:srgbClr val="1A1A2E"/>
-                </a:solidFill>
-                <a:latin typeface="Meiryo"/>
-              </a:defRPr>
-            </a:pPr>
-            <a:r>
-              <a:t>電力ボトルネックは『AI開発スピードの物理的制約』として機能。結果として、『資本力×電力アクセス』が『技術力』と同等の『企業競争力決定要因』へ昇格。Anthropicの『電力コスト負担宣言』は、『電力調達力での優位性確保』という戦略的シグナル。米国政治家の『テック企業による電力費負担合意』は、『AI規制』が『テック企業への財政的搾取』へ転換し始めたことを示唆。結果として、『AI企業のコスト構造』が...</a:t>
-            </a:r>
-          </a:p>
-        </p:txBody>
-      </p:sp>
-      <p:sp>
-        <p:nvSpPr>
-          <p:cNvPr id="29" name="TextBox 28"/>
-          <p:cNvSpPr txBox="1"/>
-          <p:nvPr/>
-        </p:nvSpPr>
-        <p:spPr>
-          <a:xfrm>
-            <a:off x="731520" y="4114800"/>
-            <a:ext cx="5486400" cy="228600"/>
-          </a:xfrm>
-          <a:prstGeom prst="rect">
-            <a:avLst/>
-          </a:prstGeom>
-          <a:noFill/>
-        </p:spPr>
-        <p:txBody>
-          <a:bodyPr wrap="square">
-            <a:spAutoFit/>
-          </a:bodyPr>
-          <a:lstStyle/>
-          <a:p>
-            <a:pPr algn="l">
-              <a:defRPr sz="1000" b="0">
-                <a:solidFill>
-                  <a:srgbClr val="6C757D"/>
-                </a:solidFill>
-                <a:latin typeface="Meiryo"/>
-              </a:defRPr>
-            </a:pPr>
-            <a:r>
-              <a:t>Other  |  Infrastructure  |  GlobeNewswire</a:t>
+              <a:t>Other  |  Business  |  TechCrunch</a:t>
             </a:r>
           </a:p>
         </p:txBody>
@@ -15693,7 +14571,7 @@
               </a:defRPr>
             </a:pPr>
             <a:r>
-              <a:t>2026年2月14日時点での『グローバルAI業界』は、『米国資本集中』『中国独立開発加速』『規制多重化』の三重構造へ進化。米国ではAnthropic（$30B）・OpenAI（$100B目標）による『超大型資本競争』が加速し、『初期段階AI企業への投資枯渇』と『スタートアップエコシステムの多様性喪失』を招来。同時にエネルギー・インフラが『経営意思決定』の最優先課題へ昇格し、『電力アクセス×資本力』が『技術力』と同等の競争要因となる。中国では『DeepSeek衝撃後1年』において『自給自足AI開発』が加速。ByteDance・Alibaba・Zhipuらが『春節モデルラッシュ』（Doubao 2.0、Qwen 3.5、GLM-5等）を展開し、『米国技術依存排除』と『東南アジア・インド市場拡張』を並行実施。米国のHugain（AI輸出規制）強化への『先制的対応』として、『中国製チップのみで学習</a:t>
+              <a:t>2026年のグローバルAI市場は、米国『Big Tech 4社＋AI スタートアップ』による『資本 + 人材』の寡占化が確立する段階に入った。米国企業（OpenAI・Anthropic・Google・Microsoft）が650-700億ドルのAI インフラ投資により『計算リソース』を支配。欧州は『AI 規制強化』（EU AI Act 強化）により『米国後追い』の立場に。中国（Baidu・Alibaba 等）は『米国との技術格差』拡大により『独自路線（LLaMA オープンソース化等）』を模索。日本・韓国は『チップ製造』（TSMC・Samsung）における機能特化へのシフト。インド は『AI オフショアリング』（低コスト開発・テスト）で『AI 開発労働力』を提供するポジション。この『地政学的階層化』により、2026年中盤以降『Global AI Divide』（先進国 vs 発展国）が顕在化</a:t>
             </a:r>
           </a:p>
         </p:txBody>
@@ -15973,7 +14851,7 @@
               </a:defRPr>
             </a:pPr>
             <a:r>
-              <a:t>米国AI企業の『超大型資本競争』（$130B規模）により、『グローバルベンチャーキャピタルの濃縮化』が加速。初期段階AI企業への投資流入が『急冷』し、『スタートアップAI企業の多様性喪失』と『Big Tech による寡占化』が確定。</a:t>
+              <a:t>米国Big Tech 4社が650-700億ドルAI投資を実行し、AI計算インフラの『支配権強化』。電力グリッド危機が発生し、2026年Q3-Q4にAI投資効率の悪化が露呈する可能性（影響範囲：全テック企業の株価・投資戦略）</a:t>
             </a:r>
           </a:p>
         </p:txBody>
@@ -16174,7 +15052,7 @@
               </a:defRPr>
             </a:pPr>
             <a:r>
-              <a:t>中国AI企業の『独立化戦略加速』により、『米国＋中国の二極化』が『技術標準・API仕様・学習データセット』の『地域分割』へ発展。2027年までに『互換性喪失した別生態系AI』が確立される見通し。</a:t>
+              <a:t>OpenAI・Anthropic『IPO競争』が激化し、2026年内の複数企業公開により『テック IPO 市場』が2023年以来の活況化。ただしキャッシュフロー悪化が『上場後のパフォーマンス悪化』につながるリスク（影響：公開市場全体の『AI企業評価』基準の再構...</a:t>
             </a:r>
           </a:p>
         </p:txBody>
@@ -16375,7 +15253,7 @@
               </a:defRPr>
             </a:pPr>
             <a:r>
-              <a:t>『エネルギー・インフラ危機』がAI産業の『物理的成長限界』として顕在化。電力確保能力が『資本力と同等の競争要因』へ昇格し、『発展途上国企業のAI産業参入機会喪失』が加速。</a:t>
+              <a:t>AI安全性研究者の『大量流出』により、『業界内の倫理基準』が低下。各国規制当局による『安全性監視強化』が加速。EU・UK・カナダで『前段階AI監査制度』導入の可能性（影響：AI企業の開発コスト増加・商用化延期）</a:t>
             </a:r>
           </a:p>
         </p:txBody>
@@ -16576,7 +15454,7 @@
               </a:defRPr>
             </a:pPr>
             <a:r>
-              <a:t>『グローバルAI規制の不統一化』により、『規制の空隙活用』が『企業戦略』化し、『規制目的の形骸化』が招来。結果として『各地域での異なるAI倫理・安全性基準』が『国際紛争』へ進展する可能性。</a:t>
+              <a:t>VC の『重複投資戦略』により『投資シグナル』としての意義低下。AI企業評価が『資本市場の相対取引』に依存し、『客観的パフォーマンス指標』の欠如が『AI バブル化』を加速（影響：次世代スタートアップ資金調達の困難化）</a:t>
             </a:r>
           </a:p>
         </p:txBody>
@@ -16777,7 +15655,7 @@
               </a:defRPr>
             </a:pPr>
             <a:r>
-              <a:t>『AI安全性研究者の大量流出』と『スケール追求への業界的圧力』の『矛盾』により、『AI開発加速ペースの減速』が見込まれ、『2027年度の投資期待値調整』が『AI企業の株価下落』をもたらす懸念。</a:t>
+              <a:t>中国・欧州とのAI 能力格差が2026年中盤に決定的に。米国のエンタープライズAI 市場支配（Anthropic・Microsoft・Google）により『非米国企業の選択肢喪失』。各国による『AI 主権』確保の動き加速（影響：ローカルAI ベンダーの台頭・規...</a:t>
             </a:r>
           </a:p>
         </p:txBody>
@@ -17233,7 +16111,7 @@
               </a:defRPr>
             </a:pPr>
             <a:r>
-              <a:t>『米国AI企業の資金調達加速』により、『日本VC（SoftBank Vision Fund等）の米国AI投資集中化』が進行。結果として『日本発AI企業への投資枯渇』が深刻化し、『日本のAIスタートアップエコシステムの衰退』が加速。</a:t>
+              <a:t>金融・総合商社による『Claude for Enterprise』集約導入が2026年Q2-Q3で本格化。NTT・Sony・パナソニック等の『AI 導入予算』が国内ベンダーから『外資ベンダー』へ流出。国内AI企業の『人材流出』加速（優秀なエンジニアが外資系に転職）</a:t>
             </a:r>
           </a:p>
         </p:txBody>
@@ -17434,7 +16312,7 @@
               </a:defRPr>
             </a:pPr>
             <a:r>
-              <a:t>『中国AI企業の東南アジア・インド進出』により、『日本企業が進出する新興市場での競争激化』が不可避。特に『言語対応・コスト競争力』での『中国企業優位性』により、『日本企業のマーケットシェア喪失』が加速。</a:t>
+              <a:t>関西・東海地域の『電力供給逼迫』により、『国内データセンター新規建設』が事実上不可能に。データセンター拠点は米国（テキサス等）への一極集約化。日本企業のAI 計算は『外資クラウド依存度100%』化へ。</a:t>
             </a:r>
           </a:p>
         </p:txBody>
@@ -17635,14 +16513,215 @@
               </a:defRPr>
             </a:pPr>
             <a:r>
-              <a:t>『エネルギー・インフラコスト上昇』により、『日本企業のAI開発コスト爆増』が発生。特に『電力確保能力で米国企業に劣る』日本企業は、『AI開発の外部委託化』を強制され、『技術的依存性の強化』を招来。</a:t>
-            </a:r>
-          </a:p>
-        </p:txBody>
-      </p:sp>
-      <p:sp>
-        <p:nvSpPr>
-          <p:cNvPr id="23" name="Rounded Rectangle 22"/>
+              <a:t>『AI 人材育成』における日本の遅れが顕在化。大学のAI 研究室卒業生が『国内企業での雇用機会喪失』により、米国・カナダへの『人材流出』加速（2026年で年間500-1000人規模）。2027年以降、日本でのAI 研究開発が『外資系研究所（Google Japan等）』に事実上統...</a:t>
+            </a:r>
+          </a:p>
+        </p:txBody>
+      </p:sp>
+      <p:sp>
+        <p:nvSpPr>
+          <p:cNvPr id="23" name="Rectangle 22"/>
+          <p:cNvSpPr/>
+          <p:nvPr/>
+        </p:nvSpPr>
+        <p:spPr>
+          <a:xfrm>
+            <a:off x="548640" y="4297680"/>
+            <a:ext cx="5303520" cy="868680"/>
+          </a:xfrm>
+          <a:prstGeom prst="rect">
+            <a:avLst/>
+          </a:prstGeom>
+          <a:solidFill>
+            <a:srgbClr val="E8F1F8"/>
+          </a:solidFill>
+          <a:ln>
+            <a:noFill/>
+          </a:ln>
+        </p:spPr>
+        <p:style>
+          <a:lnRef idx="1">
+            <a:schemeClr val="accent1"/>
+          </a:lnRef>
+          <a:fillRef idx="3">
+            <a:schemeClr val="accent1"/>
+          </a:fillRef>
+          <a:effectRef idx="2">
+            <a:schemeClr val="accent1"/>
+          </a:effectRef>
+          <a:fontRef idx="minor">
+            <a:schemeClr val="lt1"/>
+          </a:fontRef>
+        </p:style>
+        <p:txBody>
+          <a:bodyPr rtlCol="0" anchor="ctr"/>
+          <a:lstStyle/>
+          <a:p>
+            <a:pPr algn="ctr"/>
+          </a:p>
+        </p:txBody>
+      </p:sp>
+      <p:sp>
+        <p:nvSpPr>
+          <p:cNvPr id="24" name="Rectangle 23"/>
+          <p:cNvSpPr/>
+          <p:nvPr/>
+        </p:nvSpPr>
+        <p:spPr>
+          <a:xfrm>
+            <a:off x="548640" y="4297680"/>
+            <a:ext cx="54864" cy="868680"/>
+          </a:xfrm>
+          <a:prstGeom prst="rect">
+            <a:avLst/>
+          </a:prstGeom>
+          <a:solidFill>
+            <a:srgbClr val="5BA4D9"/>
+          </a:solidFill>
+          <a:ln>
+            <a:noFill/>
+          </a:ln>
+        </p:spPr>
+        <p:style>
+          <a:lnRef idx="1">
+            <a:schemeClr val="accent1"/>
+          </a:lnRef>
+          <a:fillRef idx="3">
+            <a:schemeClr val="accent1"/>
+          </a:fillRef>
+          <a:effectRef idx="2">
+            <a:schemeClr val="accent1"/>
+          </a:effectRef>
+          <a:fontRef idx="minor">
+            <a:schemeClr val="lt1"/>
+          </a:fontRef>
+        </p:style>
+        <p:txBody>
+          <a:bodyPr rtlCol="0" anchor="ctr"/>
+          <a:lstStyle/>
+          <a:p>
+            <a:pPr algn="ctr"/>
+          </a:p>
+        </p:txBody>
+      </p:sp>
+      <p:sp>
+        <p:nvSpPr>
+          <p:cNvPr id="25" name="Oval 24"/>
+          <p:cNvSpPr/>
+          <p:nvPr/>
+        </p:nvSpPr>
+        <p:spPr>
+          <a:xfrm>
+            <a:off x="658368" y="4498848"/>
+            <a:ext cx="384048" cy="384048"/>
+          </a:xfrm>
+          <a:prstGeom prst="ellipse">
+            <a:avLst/>
+          </a:prstGeom>
+          <a:solidFill>
+            <a:srgbClr val="5BA4D9"/>
+          </a:solidFill>
+          <a:ln>
+            <a:noFill/>
+          </a:ln>
+        </p:spPr>
+        <p:style>
+          <a:lnRef idx="1">
+            <a:schemeClr val="accent1"/>
+          </a:lnRef>
+          <a:fillRef idx="3">
+            <a:schemeClr val="accent1"/>
+          </a:fillRef>
+          <a:effectRef idx="2">
+            <a:schemeClr val="accent1"/>
+          </a:effectRef>
+          <a:fontRef idx="minor">
+            <a:schemeClr val="lt1"/>
+          </a:fontRef>
+        </p:style>
+        <p:txBody>
+          <a:bodyPr rtlCol="0" anchor="ctr"/>
+          <a:lstStyle/>
+          <a:p>
+            <a:pPr algn="ctr"/>
+          </a:p>
+        </p:txBody>
+      </p:sp>
+      <p:sp>
+        <p:nvSpPr>
+          <p:cNvPr id="26" name="TextBox 25"/>
+          <p:cNvSpPr txBox="1"/>
+          <p:nvPr/>
+        </p:nvSpPr>
+        <p:spPr>
+          <a:xfrm>
+            <a:off x="658368" y="4498848"/>
+            <a:ext cx="384048" cy="384048"/>
+          </a:xfrm>
+          <a:prstGeom prst="rect">
+            <a:avLst/>
+          </a:prstGeom>
+          <a:noFill/>
+        </p:spPr>
+        <p:txBody>
+          <a:bodyPr wrap="square" anchor="ctr">
+            <a:spAutoFit/>
+          </a:bodyPr>
+          <a:lstStyle/>
+          <a:p>
+            <a:pPr algn="ctr">
+              <a:defRPr sz="1400" b="1">
+                <a:solidFill>
+                  <a:srgbClr val="FFFFFF"/>
+                </a:solidFill>
+                <a:latin typeface="Meiryo"/>
+              </a:defRPr>
+            </a:pPr>
+            <a:r>
+              <a:t>4</a:t>
+            </a:r>
+          </a:p>
+        </p:txBody>
+      </p:sp>
+      <p:sp>
+        <p:nvSpPr>
+          <p:cNvPr id="27" name="TextBox 26"/>
+          <p:cNvSpPr txBox="1"/>
+          <p:nvPr/>
+        </p:nvSpPr>
+        <p:spPr>
+          <a:xfrm>
+            <a:off x="1143000" y="4370832"/>
+            <a:ext cx="4572000" cy="731520"/>
+          </a:xfrm>
+          <a:prstGeom prst="rect">
+            <a:avLst/>
+          </a:prstGeom>
+          <a:noFill/>
+        </p:spPr>
+        <p:txBody>
+          <a:bodyPr wrap="square">
+            <a:spAutoFit/>
+          </a:bodyPr>
+          <a:lstStyle/>
+          <a:p>
+            <a:pPr algn="l">
+              <a:defRPr sz="1100" b="0">
+                <a:solidFill>
+                  <a:srgbClr val="1A1A2E"/>
+                </a:solidFill>
+                <a:latin typeface="Meiryo"/>
+              </a:defRPr>
+            </a:pPr>
+            <a:r>
+              <a:t>金融規制（金融庁）によるAI 監査要件強化。銀行の『AI 導入コンプライアンス』が厳格化し、中堅企業の『AI 導入インセンティブ』が低下。IT 投資が『AI 以外』（サイバーセキュリティ等）へシフト。</a:t>
+            </a:r>
+          </a:p>
+        </p:txBody>
+      </p:sp>
+      <p:sp>
+        <p:nvSpPr>
+          <p:cNvPr id="28" name="Rounded Rectangle 27"/>
           <p:cNvSpPr/>
           <p:nvPr/>
         </p:nvSpPr>
@@ -17685,7 +16764,7 @@
       </p:sp>
       <p:sp>
         <p:nvSpPr>
-          <p:cNvPr id="24" name="TextBox 23"/>
+          <p:cNvPr id="29" name="TextBox 28"/>
           <p:cNvSpPr txBox="1"/>
           <p:nvPr/>
         </p:nvSpPr>
@@ -17721,7 +16800,7 @@
       </p:sp>
       <p:sp>
         <p:nvSpPr>
-          <p:cNvPr id="25" name="Rounded Rectangle 24"/>
+          <p:cNvPr id="30" name="Rounded Rectangle 29"/>
           <p:cNvSpPr/>
           <p:nvPr/>
         </p:nvSpPr>
@@ -17766,7 +16845,7 @@
       </p:sp>
       <p:sp>
         <p:nvSpPr>
-          <p:cNvPr id="26" name="Rounded Rectangle 25"/>
+          <p:cNvPr id="31" name="Rounded Rectangle 30"/>
           <p:cNvSpPr/>
           <p:nvPr/>
         </p:nvSpPr>
@@ -17811,7 +16890,7 @@
       </p:sp>
       <p:sp>
         <p:nvSpPr>
-          <p:cNvPr id="27" name="TextBox 26"/>
+          <p:cNvPr id="32" name="TextBox 31"/>
           <p:cNvSpPr txBox="1"/>
           <p:nvPr/>
         </p:nvSpPr>
@@ -17847,7 +16926,7 @@
       </p:sp>
       <p:sp>
         <p:nvSpPr>
-          <p:cNvPr id="28" name="TextBox 27"/>
+          <p:cNvPr id="33" name="TextBox 32"/>
           <p:cNvSpPr txBox="1"/>
           <p:nvPr/>
         </p:nvSpPr>
@@ -17876,14 +16955,14 @@
               </a:defRPr>
             </a:pPr>
             <a:r>
-              <a:t>経済産業省・総務省は『日本発AI企業への大型補助金制度』（例：$10B規模のファンド）を2026年Q2までに構築し、『日本AI企業の資本調達能力強化』を実施すること。（対象：日本国籍企業、研究機関発ベンチャー、大学発スピンアウト）</a:t>
-            </a:r>
-          </a:p>
-        </p:txBody>
-      </p:sp>
-      <p:sp>
-        <p:nvSpPr>
-          <p:cNvPr id="29" name="Rounded Rectangle 28"/>
+              <a:t>【政府（経産省・総務省）】2026年Q1内に『AI 産業競争力確保法』立案。国内AI 企業への『直接補助金（年間500-1000億円規模）』や『税制優遇』を実施し、国内AI 人材の流出抑止。責任者：経産省大臣官房 AI・データ戦略推進室（期限：2026年3月31日）</a:t>
+            </a:r>
+          </a:p>
+        </p:txBody>
+      </p:sp>
+      <p:sp>
+        <p:nvSpPr>
+          <p:cNvPr id="34" name="Rounded Rectangle 33"/>
           <p:cNvSpPr/>
           <p:nvPr/>
         </p:nvSpPr>
@@ -17928,7 +17007,7 @@
       </p:sp>
       <p:sp>
         <p:nvSpPr>
-          <p:cNvPr id="30" name="Rounded Rectangle 29"/>
+          <p:cNvPr id="35" name="Rounded Rectangle 34"/>
           <p:cNvSpPr/>
           <p:nvPr/>
         </p:nvSpPr>
@@ -17973,7 +17052,7 @@
       </p:sp>
       <p:sp>
         <p:nvSpPr>
-          <p:cNvPr id="31" name="TextBox 30"/>
+          <p:cNvPr id="36" name="TextBox 35"/>
           <p:cNvSpPr txBox="1"/>
           <p:nvPr/>
         </p:nvSpPr>
@@ -18009,7 +17088,7 @@
       </p:sp>
       <p:sp>
         <p:nvSpPr>
-          <p:cNvPr id="32" name="TextBox 31"/>
+          <p:cNvPr id="37" name="TextBox 36"/>
           <p:cNvSpPr txBox="1"/>
           <p:nvPr/>
         </p:nvSpPr>
@@ -18038,14 +17117,14 @@
               </a:defRPr>
             </a:pPr>
             <a:r>
-              <a:t>日本銀行は『AI企業への長期低利融資制度』を創設し、『ドル建て外国資本』との『為替リスク緩和』に対応。特に『中期（3-12ヶ月）での円安進行リスク』への『先制的対応』が急務。（期限：2026年3月末まで）</a:t>
-            </a:r>
-          </a:p>
-        </p:txBody>
-      </p:sp>
-      <p:sp>
-        <p:nvSpPr>
-          <p:cNvPr id="33" name="Rounded Rectangle 32"/>
+              <a:t>【金融機関（メガバンク・生保）】2026年Q2までに『Claude for Enterprise』の『企業向けパイロット導入』を展開。同時に『国産AI（Rinna等）』のハイブリッド活用モデルを構築し、『外資依存度を50%以下に維持』する契約形式を確立。責任者：各行のデジタル推進...</a:t>
+            </a:r>
+          </a:p>
+        </p:txBody>
+      </p:sp>
+      <p:sp>
+        <p:nvSpPr>
+          <p:cNvPr id="38" name="Rounded Rectangle 37"/>
           <p:cNvSpPr/>
           <p:nvPr/>
         </p:nvSpPr>
@@ -18090,7 +17169,7 @@
       </p:sp>
       <p:sp>
         <p:nvSpPr>
-          <p:cNvPr id="34" name="Rounded Rectangle 33"/>
+          <p:cNvPr id="39" name="Rounded Rectangle 38"/>
           <p:cNvSpPr/>
           <p:nvPr/>
         </p:nvSpPr>
@@ -18135,7 +17214,7 @@
       </p:sp>
       <p:sp>
         <p:nvSpPr>
-          <p:cNvPr id="35" name="TextBox 34"/>
+          <p:cNvPr id="40" name="TextBox 39"/>
           <p:cNvSpPr txBox="1"/>
           <p:nvPr/>
         </p:nvSpPr>
@@ -18171,7 +17250,7 @@
       </p:sp>
       <p:sp>
         <p:nvSpPr>
-          <p:cNvPr id="36" name="TextBox 35"/>
+          <p:cNvPr id="41" name="TextBox 40"/>
           <p:cNvSpPr txBox="1"/>
           <p:nvPr/>
         </p:nvSpPr>
@@ -18200,14 +17279,14 @@
               </a:defRPr>
             </a:pPr>
             <a:r>
-              <a:t>文部科学省は『大学・研究機関によるAI人材育成』の『加速化』を2026年中に実装。特に『AI安全性研究』『ロボティクスAI』『エネルギー効率AI』等の『重点領域』への『集中投資』を推進。（対象：東大・京大・OSAKAなど国立大学、民間研究機関）</a:t>
-            </a:r>
-          </a:p>
-        </p:txBody>
-      </p:sp>
-      <p:sp>
-        <p:nvSpPr>
-          <p:cNvPr id="37" name="Rounded Rectangle 36"/>
+              <a:t>【大学・研究機関】2026年度予算でAI 研究センターを新設。PhD 人材の『国内定着インセンティブ』として『年間給与+研究費パッケージ』を設計し、米国流出を年間100人以下に抑止。責任者：文科省高等教育局 AI 研究推進室（期限：2026年4月1日）</a:t>
+            </a:r>
+          </a:p>
+        </p:txBody>
+      </p:sp>
+      <p:sp>
+        <p:nvSpPr>
+          <p:cNvPr id="42" name="Rounded Rectangle 41"/>
           <p:cNvSpPr/>
           <p:nvPr/>
         </p:nvSpPr>
@@ -18252,7 +17331,7 @@
       </p:sp>
       <p:sp>
         <p:nvSpPr>
-          <p:cNvPr id="38" name="Rounded Rectangle 37"/>
+          <p:cNvPr id="43" name="Rounded Rectangle 42"/>
           <p:cNvSpPr/>
           <p:nvPr/>
         </p:nvSpPr>
@@ -18297,7 +17376,7 @@
       </p:sp>
       <p:sp>
         <p:nvSpPr>
-          <p:cNvPr id="39" name="TextBox 38"/>
+          <p:cNvPr id="44" name="TextBox 43"/>
           <p:cNvSpPr txBox="1"/>
           <p:nvPr/>
         </p:nvSpPr>
@@ -18333,7 +17412,7 @@
       </p:sp>
       <p:sp>
         <p:nvSpPr>
-          <p:cNvPr id="40" name="TextBox 39"/>
+          <p:cNvPr id="45" name="TextBox 44"/>
           <p:cNvSpPr txBox="1"/>
           <p:nvPr/>
         </p:nvSpPr>
@@ -18362,169 +17441,7 @@
               </a:defRPr>
             </a:pPr>
             <a:r>
-              <a:t>経済産業省は『日本企業によるAI標準化主導権確保』戦略を2026年Q3までに策定。EU AI Act・California SB-53等との『国際規制調整』を通じ、『日本企業のコンプライアンスコスト最小化』を図ること。（パートナー：JOGA・日本経団連）</a:t>
-            </a:r>
-          </a:p>
-        </p:txBody>
-      </p:sp>
-      <p:sp>
-        <p:nvSpPr>
-          <p:cNvPr id="41" name="Rounded Rectangle 40"/>
-          <p:cNvSpPr/>
-          <p:nvPr/>
-        </p:nvSpPr>
-        <p:spPr>
-          <a:xfrm>
-            <a:off x="6156655" y="5742432"/>
-            <a:ext cx="5486400" cy="914400"/>
-          </a:xfrm>
-          <a:prstGeom prst="roundRect">
-            <a:avLst/>
-          </a:prstGeom>
-          <a:solidFill>
-            <a:srgbClr val="E8F1F8"/>
-          </a:solidFill>
-          <a:ln w="12700">
-            <a:solidFill>
-              <a:srgbClr val="5BA4D9"/>
-            </a:solidFill>
-          </a:ln>
-        </p:spPr>
-        <p:style>
-          <a:lnRef idx="1">
-            <a:schemeClr val="accent1"/>
-          </a:lnRef>
-          <a:fillRef idx="3">
-            <a:schemeClr val="accent1"/>
-          </a:fillRef>
-          <a:effectRef idx="2">
-            <a:schemeClr val="accent1"/>
-          </a:effectRef>
-          <a:fontRef idx="minor">
-            <a:schemeClr val="lt1"/>
-          </a:fontRef>
-        </p:style>
-        <p:txBody>
-          <a:bodyPr rtlCol="0" anchor="ctr"/>
-          <a:lstStyle/>
-          <a:p>
-            <a:pPr algn="ctr"/>
-          </a:p>
-        </p:txBody>
-      </p:sp>
-      <p:sp>
-        <p:nvSpPr>
-          <p:cNvPr id="42" name="Rounded Rectangle 41"/>
-          <p:cNvSpPr/>
-          <p:nvPr/>
-        </p:nvSpPr>
-        <p:spPr>
-          <a:xfrm>
-            <a:off x="6293815" y="5971032"/>
-            <a:ext cx="320040" cy="320040"/>
-          </a:xfrm>
-          <a:prstGeom prst="roundRect">
-            <a:avLst/>
-          </a:prstGeom>
-          <a:solidFill>
-            <a:srgbClr val="FFFFFF"/>
-          </a:solidFill>
-          <a:ln w="25400">
-            <a:solidFill>
-              <a:srgbClr val="FF961C"/>
-            </a:solidFill>
-          </a:ln>
-        </p:spPr>
-        <p:style>
-          <a:lnRef idx="1">
-            <a:schemeClr val="accent1"/>
-          </a:lnRef>
-          <a:fillRef idx="3">
-            <a:schemeClr val="accent1"/>
-          </a:fillRef>
-          <a:effectRef idx="2">
-            <a:schemeClr val="accent1"/>
-          </a:effectRef>
-          <a:fontRef idx="minor">
-            <a:schemeClr val="lt1"/>
-          </a:fontRef>
-        </p:style>
-        <p:txBody>
-          <a:bodyPr rtlCol="0" anchor="ctr"/>
-          <a:lstStyle/>
-          <a:p>
-            <a:pPr algn="ctr"/>
-          </a:p>
-        </p:txBody>
-      </p:sp>
-      <p:sp>
-        <p:nvSpPr>
-          <p:cNvPr id="43" name="TextBox 42"/>
-          <p:cNvSpPr txBox="1"/>
-          <p:nvPr/>
-        </p:nvSpPr>
-        <p:spPr>
-          <a:xfrm>
-            <a:off x="6293815" y="5971032"/>
-            <a:ext cx="320040" cy="320040"/>
-          </a:xfrm>
-          <a:prstGeom prst="rect">
-            <a:avLst/>
-          </a:prstGeom>
-          <a:noFill/>
-        </p:spPr>
-        <p:txBody>
-          <a:bodyPr wrap="square" anchor="ctr">
-            <a:spAutoFit/>
-          </a:bodyPr>
-          <a:lstStyle/>
-          <a:p>
-            <a:pPr algn="ctr">
-              <a:defRPr sz="1400" b="1">
-                <a:solidFill>
-                  <a:srgbClr val="FF961C"/>
-                </a:solidFill>
-                <a:latin typeface="Meiryo"/>
-              </a:defRPr>
-            </a:pPr>
-            <a:r>
-              <a:t>✓</a:t>
-            </a:r>
-          </a:p>
-        </p:txBody>
-      </p:sp>
-      <p:sp>
-        <p:nvSpPr>
-          <p:cNvPr id="44" name="TextBox 43"/>
-          <p:cNvSpPr txBox="1"/>
-          <p:nvPr/>
-        </p:nvSpPr>
-        <p:spPr>
-          <a:xfrm>
-            <a:off x="6705295" y="5833872"/>
-            <a:ext cx="4800600" cy="731520"/>
-          </a:xfrm>
-          <a:prstGeom prst="rect">
-            <a:avLst/>
-          </a:prstGeom>
-          <a:noFill/>
-        </p:spPr>
-        <p:txBody>
-          <a:bodyPr wrap="square">
-            <a:spAutoFit/>
-          </a:bodyPr>
-          <a:lstStyle/>
-          <a:p>
-            <a:pPr algn="l">
-              <a:defRPr sz="1100" b="0">
-                <a:solidFill>
-                  <a:srgbClr val="1A1A2E"/>
-                </a:solidFill>
-                <a:latin typeface="Meiryo"/>
-              </a:defRPr>
-            </a:pPr>
-            <a:r>
-              <a:t>総務省は『日本発AI企業による『東南アジア・インド市場進出』支援プログラム』を2026年Q2までに立案。『中国企業の市場侵食』への『競争的対抗戦略』として、『日本企業の地元言語対応・現地パートナーシップ構築』を支援。（予算：$500M規模）</a:t>
+              <a:t>【IT企業（NTT・富士通・日立）】2026年度内に『国産LLM の商用化』を加速。Preferred Networks との『戦略的提携』または『合弁会社』を設立し、『企業向けAI プラットフォーム』の独立展開。責任者：各企業の AI 戦略推進部門（期限：2026年12月31日...</a:t>
             </a:r>
           </a:p>
         </p:txBody>
